--- a/08-Resources/8-Resources.pptx
+++ b/08-Resources/8-Resources.pptx
@@ -5,36 +5,41 @@
     <p:sldMasterId id="2147483649" r:id="rId1"/>
   </p:sldMasterIdLst>
   <p:notesMasterIdLst>
-    <p:notesMasterId r:id="rId26"/>
+    <p:notesMasterId r:id="rId31"/>
   </p:notesMasterIdLst>
   <p:handoutMasterIdLst>
-    <p:handoutMasterId r:id="rId27"/>
+    <p:handoutMasterId r:id="rId32"/>
   </p:handoutMasterIdLst>
   <p:sldIdLst>
     <p:sldId id="256" r:id="rId2"/>
     <p:sldId id="257" r:id="rId3"/>
-    <p:sldId id="262" r:id="rId4"/>
-    <p:sldId id="263" r:id="rId5"/>
-    <p:sldId id="264" r:id="rId6"/>
-    <p:sldId id="265" r:id="rId7"/>
-    <p:sldId id="258" r:id="rId8"/>
-    <p:sldId id="261" r:id="rId9"/>
-    <p:sldId id="260" r:id="rId10"/>
-    <p:sldId id="271" r:id="rId11"/>
-    <p:sldId id="276" r:id="rId12"/>
-    <p:sldId id="275" r:id="rId13"/>
-    <p:sldId id="277" r:id="rId14"/>
-    <p:sldId id="279" r:id="rId15"/>
-    <p:sldId id="280" r:id="rId16"/>
-    <p:sldId id="278" r:id="rId17"/>
-    <p:sldId id="281" r:id="rId18"/>
-    <p:sldId id="270" r:id="rId19"/>
-    <p:sldId id="273" r:id="rId20"/>
-    <p:sldId id="267" r:id="rId21"/>
-    <p:sldId id="268" r:id="rId22"/>
-    <p:sldId id="284" r:id="rId23"/>
-    <p:sldId id="269" r:id="rId24"/>
-    <p:sldId id="285" r:id="rId25"/>
+    <p:sldId id="286" r:id="rId4"/>
+    <p:sldId id="287" r:id="rId5"/>
+    <p:sldId id="288" r:id="rId6"/>
+    <p:sldId id="289" r:id="rId7"/>
+    <p:sldId id="290" r:id="rId8"/>
+    <p:sldId id="262" r:id="rId9"/>
+    <p:sldId id="263" r:id="rId10"/>
+    <p:sldId id="264" r:id="rId11"/>
+    <p:sldId id="265" r:id="rId12"/>
+    <p:sldId id="258" r:id="rId13"/>
+    <p:sldId id="261" r:id="rId14"/>
+    <p:sldId id="260" r:id="rId15"/>
+    <p:sldId id="271" r:id="rId16"/>
+    <p:sldId id="276" r:id="rId17"/>
+    <p:sldId id="275" r:id="rId18"/>
+    <p:sldId id="277" r:id="rId19"/>
+    <p:sldId id="279" r:id="rId20"/>
+    <p:sldId id="280" r:id="rId21"/>
+    <p:sldId id="278" r:id="rId22"/>
+    <p:sldId id="281" r:id="rId23"/>
+    <p:sldId id="270" r:id="rId24"/>
+    <p:sldId id="273" r:id="rId25"/>
+    <p:sldId id="267" r:id="rId26"/>
+    <p:sldId id="268" r:id="rId27"/>
+    <p:sldId id="284" r:id="rId28"/>
+    <p:sldId id="269" r:id="rId29"/>
+    <p:sldId id="285" r:id="rId30"/>
   </p:sldIdLst>
   <p:sldSz cx="9144000" cy="6858000" type="screen4x3"/>
   <p:notesSz cx="7099300" cy="10234613"/>
@@ -486,7 +491,7 @@
             <a:fld id="{B1986778-4955-48BF-B9A5-723767A6F1B2}" type="datetimeFigureOut">
               <a:rPr lang="en-US" smtClean="0"/>
               <a:pPr/>
-              <a:t>2/8/2017</a:t>
+              <a:t>2/7/2018</a:t>
             </a:fld>
             <a:endParaRPr lang="en-GB" dirty="0"/>
           </a:p>
@@ -4179,180 +4184,6 @@
           </a:p>
         </p:txBody>
       </p:sp>
-      <p:sp>
-        <p:nvSpPr>
-          <p:cNvPr id="12" name="Title 1"/>
-          <p:cNvSpPr txBox="1">
-            <a:spLocks/>
-          </p:cNvSpPr>
-          <p:nvPr/>
-        </p:nvSpPr>
-        <p:spPr bwMode="auto">
-          <a:xfrm>
-            <a:off x="7137285" y="683695"/>
-            <a:ext cx="1931479" cy="436662"/>
-          </a:xfrm>
-          <a:prstGeom prst="rect">
-            <a:avLst/>
-          </a:prstGeom>
-          <a:noFill/>
-          <a:ln w="9525">
-            <a:noFill/>
-            <a:miter lim="800000"/>
-            <a:headEnd/>
-            <a:tailEnd/>
-          </a:ln>
-          <a:effectLst/>
-        </p:spPr>
-        <p:txBody>
-          <a:bodyPr vert="horz" wrap="square" lIns="91440" tIns="45720" rIns="91440" bIns="45720" numCol="1" anchor="t" anchorCtr="0" compatLnSpc="1">
-            <a:prstTxWarp prst="textNoShape">
-              <a:avLst/>
-            </a:prstTxWarp>
-          </a:bodyPr>
-          <a:lstStyle>
-            <a:lvl1pPr algn="l" rtl="0" fontAlgn="base">
-              <a:spcBef>
-                <a:spcPct val="0"/>
-              </a:spcBef>
-              <a:spcAft>
-                <a:spcPct val="0"/>
-              </a:spcAft>
-              <a:defRPr sz="3200" b="1">
-                <a:solidFill>
-                  <a:schemeClr val="tx2"/>
-                </a:solidFill>
-                <a:latin typeface="+mj-lt"/>
-                <a:ea typeface="+mj-ea"/>
-                <a:cs typeface="+mj-cs"/>
-              </a:defRPr>
-            </a:lvl1pPr>
-            <a:lvl2pPr algn="l" rtl="0" fontAlgn="base">
-              <a:spcBef>
-                <a:spcPct val="0"/>
-              </a:spcBef>
-              <a:spcAft>
-                <a:spcPct val="0"/>
-              </a:spcAft>
-              <a:defRPr sz="3000" b="1">
-                <a:solidFill>
-                  <a:schemeClr val="tx2"/>
-                </a:solidFill>
-                <a:latin typeface="Arial" charset="0"/>
-              </a:defRPr>
-            </a:lvl2pPr>
-            <a:lvl3pPr algn="l" rtl="0" fontAlgn="base">
-              <a:spcBef>
-                <a:spcPct val="0"/>
-              </a:spcBef>
-              <a:spcAft>
-                <a:spcPct val="0"/>
-              </a:spcAft>
-              <a:defRPr sz="3000" b="1">
-                <a:solidFill>
-                  <a:schemeClr val="tx2"/>
-                </a:solidFill>
-                <a:latin typeface="Arial" charset="0"/>
-              </a:defRPr>
-            </a:lvl3pPr>
-            <a:lvl4pPr algn="l" rtl="0" fontAlgn="base">
-              <a:spcBef>
-                <a:spcPct val="0"/>
-              </a:spcBef>
-              <a:spcAft>
-                <a:spcPct val="0"/>
-              </a:spcAft>
-              <a:defRPr sz="3000" b="1">
-                <a:solidFill>
-                  <a:schemeClr val="tx2"/>
-                </a:solidFill>
-                <a:latin typeface="Arial" charset="0"/>
-              </a:defRPr>
-            </a:lvl4pPr>
-            <a:lvl5pPr algn="l" rtl="0" fontAlgn="base">
-              <a:spcBef>
-                <a:spcPct val="0"/>
-              </a:spcBef>
-              <a:spcAft>
-                <a:spcPct val="0"/>
-              </a:spcAft>
-              <a:defRPr sz="3000" b="1">
-                <a:solidFill>
-                  <a:schemeClr val="tx2"/>
-                </a:solidFill>
-                <a:latin typeface="Arial" charset="0"/>
-              </a:defRPr>
-            </a:lvl5pPr>
-            <a:lvl6pPr marL="457200" algn="l" rtl="0" fontAlgn="base">
-              <a:spcBef>
-                <a:spcPct val="0"/>
-              </a:spcBef>
-              <a:spcAft>
-                <a:spcPct val="0"/>
-              </a:spcAft>
-              <a:defRPr sz="3000" b="1">
-                <a:solidFill>
-                  <a:schemeClr val="tx2"/>
-                </a:solidFill>
-                <a:latin typeface="Arial" charset="0"/>
-              </a:defRPr>
-            </a:lvl6pPr>
-            <a:lvl7pPr marL="914400" algn="l" rtl="0" fontAlgn="base">
-              <a:spcBef>
-                <a:spcPct val="0"/>
-              </a:spcBef>
-              <a:spcAft>
-                <a:spcPct val="0"/>
-              </a:spcAft>
-              <a:defRPr sz="3000" b="1">
-                <a:solidFill>
-                  <a:schemeClr val="tx2"/>
-                </a:solidFill>
-                <a:latin typeface="Arial" charset="0"/>
-              </a:defRPr>
-            </a:lvl7pPr>
-            <a:lvl8pPr marL="1371600" algn="l" rtl="0" fontAlgn="base">
-              <a:spcBef>
-                <a:spcPct val="0"/>
-              </a:spcBef>
-              <a:spcAft>
-                <a:spcPct val="0"/>
-              </a:spcAft>
-              <a:defRPr sz="3000" b="1">
-                <a:solidFill>
-                  <a:schemeClr val="tx2"/>
-                </a:solidFill>
-                <a:latin typeface="Arial" charset="0"/>
-              </a:defRPr>
-            </a:lvl8pPr>
-            <a:lvl9pPr marL="1828800" algn="l" rtl="0" fontAlgn="base">
-              <a:spcBef>
-                <a:spcPct val="0"/>
-              </a:spcBef>
-              <a:spcAft>
-                <a:spcPct val="0"/>
-              </a:spcAft>
-              <a:defRPr sz="3000" b="1">
-                <a:solidFill>
-                  <a:schemeClr val="tx2"/>
-                </a:solidFill>
-                <a:latin typeface="Arial" charset="0"/>
-              </a:defRPr>
-            </a:lvl9pPr>
-          </a:lstStyle>
-          <a:p>
-            <a:pPr algn="r"/>
-            <a:r>
-              <a:rPr lang="en-GB" sz="2000" kern="0" dirty="0">
-                <a:solidFill>
-                  <a:schemeClr val="bg1"/>
-                </a:solidFill>
-              </a:rPr>
-              <a:t>7 Feb 2017</a:t>
-            </a:r>
-          </a:p>
-        </p:txBody>
-      </p:sp>
     </p:spTree>
     <p:extLst>
       <p:ext uri="{BB962C8B-B14F-4D97-AF65-F5344CB8AC3E}">
@@ -4400,8 +4231,108 @@
           <a:p>
             <a:r>
               <a:rPr lang="en-US" dirty="0"/>
-              <a:t>Open-Source Software</a:t>
-            </a:r>
+              <a:t>Who publishes data and why? </a:t>
+            </a:r>
+          </a:p>
+        </p:txBody>
+      </p:sp>
+      <p:sp>
+        <p:nvSpPr>
+          <p:cNvPr id="3" name="Content Placeholder 2"/>
+          <p:cNvSpPr>
+            <a:spLocks noGrp="1"/>
+          </p:cNvSpPr>
+          <p:nvPr>
+            <p:ph idx="1"/>
+          </p:nvPr>
+        </p:nvSpPr>
+        <p:spPr>
+          <a:xfrm>
+            <a:off x="330200" y="1448780"/>
+            <a:ext cx="8489950" cy="5130570"/>
+          </a:xfrm>
+        </p:spPr>
+        <p:txBody>
+          <a:bodyPr/>
+          <a:lstStyle/>
+          <a:p>
+            <a:pPr marL="0" indent="0">
+              <a:buNone/>
+            </a:pPr>
+            <a:r>
+              <a:rPr lang="en-US" b="1" dirty="0"/>
+              <a:t>Commercial Data: </a:t>
+            </a:r>
+            <a:r>
+              <a:rPr lang="en-US" dirty="0"/>
+              <a:t>From a company</a:t>
+            </a:r>
+          </a:p>
+          <a:p>
+            <a:pPr marL="0" indent="0">
+              <a:buNone/>
+            </a:pPr>
+            <a:r>
+              <a:rPr lang="en-US" b="1" dirty="0"/>
+              <a:t>Why?  </a:t>
+            </a:r>
+          </a:p>
+          <a:p>
+            <a:r>
+              <a:rPr lang="en-US" dirty="0"/>
+              <a:t>Profit</a:t>
+            </a:r>
+          </a:p>
+          <a:p>
+            <a:r>
+              <a:rPr lang="en-US" dirty="0"/>
+              <a:t>Sometimes community service or regulation</a:t>
+            </a:r>
+          </a:p>
+          <a:p>
+            <a:pPr marL="0" indent="0">
+              <a:buNone/>
+            </a:pPr>
+            <a:r>
+              <a:rPr lang="en-US" b="1" dirty="0"/>
+              <a:t>Notes</a:t>
+            </a:r>
+          </a:p>
+          <a:p>
+            <a:r>
+              <a:rPr lang="en-US" dirty="0"/>
+              <a:t>What is the transparency of the processing?</a:t>
+            </a:r>
+          </a:p>
+          <a:p>
+            <a:r>
+              <a:rPr lang="en-US" dirty="0"/>
+              <a:t>Sometimes a “free sample”</a:t>
+            </a:r>
+          </a:p>
+          <a:p>
+            <a:r>
+              <a:rPr lang="en-US" dirty="0"/>
+              <a:t>Pay attention to data use agreements</a:t>
+            </a:r>
+          </a:p>
+          <a:p>
+            <a:r>
+              <a:rPr lang="en-US" dirty="0"/>
+              <a:t>Need to pay someone to work on this stuff</a:t>
+            </a:r>
+          </a:p>
+          <a:p>
+            <a:r>
+              <a:rPr lang="en-US" dirty="0"/>
+              <a:t>Pay for value added or for a ‘data monopoly’?</a:t>
+            </a:r>
+          </a:p>
+          <a:p>
+            <a:pPr marL="0" indent="0">
+              <a:buNone/>
+            </a:pPr>
+            <a:endParaRPr lang="en-US" dirty="0"/>
           </a:p>
         </p:txBody>
       </p:sp>
@@ -4425,6 +4356,1119 @@
               <a:rPr lang="en-GB" smtClean="0"/>
               <a:pPr algn="ctr"/>
               <a:t>10</a:t>
+            </a:fld>
+            <a:endParaRPr lang="en-GB" dirty="0"/>
+          </a:p>
+        </p:txBody>
+      </p:sp>
+    </p:spTree>
+    <p:extLst>
+      <p:ext uri="{BB962C8B-B14F-4D97-AF65-F5344CB8AC3E}">
+        <p14:creationId xmlns:p14="http://schemas.microsoft.com/office/powerpoint/2010/main" val="718767631"/>
+      </p:ext>
+    </p:extLst>
+  </p:cSld>
+  <p:clrMapOvr>
+    <a:masterClrMapping/>
+  </p:clrMapOvr>
+</p:sld>
+</file>
+
+<file path=ppt/slides/slide11.xml><?xml version="1.0" encoding="utf-8"?>
+<p:sld xmlns:a="http://schemas.openxmlformats.org/drawingml/2006/main" xmlns:r="http://schemas.openxmlformats.org/officeDocument/2006/relationships" xmlns:p="http://schemas.openxmlformats.org/presentationml/2006/main">
+  <p:cSld>
+    <p:spTree>
+      <p:nvGrpSpPr>
+        <p:cNvPr id="1" name=""/>
+        <p:cNvGrpSpPr/>
+        <p:nvPr/>
+      </p:nvGrpSpPr>
+      <p:grpSpPr>
+        <a:xfrm>
+          <a:off x="0" y="0"/>
+          <a:ext cx="0" cy="0"/>
+          <a:chOff x="0" y="0"/>
+          <a:chExt cx="0" cy="0"/>
+        </a:xfrm>
+      </p:grpSpPr>
+      <p:sp>
+        <p:nvSpPr>
+          <p:cNvPr id="2" name="Title 1"/>
+          <p:cNvSpPr>
+            <a:spLocks noGrp="1"/>
+          </p:cNvSpPr>
+          <p:nvPr>
+            <p:ph type="title"/>
+          </p:nvPr>
+        </p:nvSpPr>
+        <p:spPr/>
+        <p:txBody>
+          <a:bodyPr/>
+          <a:lstStyle/>
+          <a:p>
+            <a:r>
+              <a:rPr lang="en-US" dirty="0"/>
+              <a:t>Data Ownership &amp; Data Privacy</a:t>
+            </a:r>
+          </a:p>
+        </p:txBody>
+      </p:sp>
+      <p:sp>
+        <p:nvSpPr>
+          <p:cNvPr id="3" name="Content Placeholder 2"/>
+          <p:cNvSpPr>
+            <a:spLocks noGrp="1"/>
+          </p:cNvSpPr>
+          <p:nvPr>
+            <p:ph idx="1"/>
+          </p:nvPr>
+        </p:nvSpPr>
+        <p:spPr/>
+        <p:txBody>
+          <a:bodyPr/>
+          <a:lstStyle/>
+          <a:p>
+            <a:r>
+              <a:rPr lang="en-US" dirty="0"/>
+              <a:t>Who owns data about YOU?</a:t>
+            </a:r>
+          </a:p>
+          <a:p>
+            <a:r>
+              <a:rPr lang="en-US" dirty="0"/>
+              <a:t>Example of Cubic, </a:t>
+            </a:r>
+            <a:r>
+              <a:rPr lang="en-US" dirty="0" err="1"/>
+              <a:t>AirSage</a:t>
+            </a:r>
+            <a:r>
+              <a:rPr lang="en-US" dirty="0"/>
+              <a:t>, etc.</a:t>
+            </a:r>
+          </a:p>
+          <a:p>
+            <a:endParaRPr lang="en-US" dirty="0"/>
+          </a:p>
+          <a:p>
+            <a:r>
+              <a:rPr lang="en-US" dirty="0"/>
+              <a:t>Need to protect personally identifiable information (PII).  </a:t>
+            </a:r>
+          </a:p>
+          <a:p>
+            <a:r>
+              <a:rPr lang="en-US" dirty="0"/>
+              <a:t>What are valid uses of personal data?</a:t>
+            </a:r>
+          </a:p>
+          <a:p>
+            <a:r>
+              <a:rPr lang="en-US" dirty="0"/>
+              <a:t>Value of a ‘firewall’</a:t>
+            </a:r>
+          </a:p>
+        </p:txBody>
+      </p:sp>
+      <p:sp>
+        <p:nvSpPr>
+          <p:cNvPr id="4" name="Slide Number Placeholder 3"/>
+          <p:cNvSpPr>
+            <a:spLocks noGrp="1"/>
+          </p:cNvSpPr>
+          <p:nvPr>
+            <p:ph type="sldNum" sz="quarter" idx="10"/>
+          </p:nvPr>
+        </p:nvSpPr>
+        <p:spPr/>
+        <p:txBody>
+          <a:bodyPr/>
+          <a:lstStyle/>
+          <a:p>
+            <a:pPr algn="ctr"/>
+            <a:fld id="{DB5A3A47-29A7-45E5-923E-10FF85749154}" type="slidenum">
+              <a:rPr lang="en-GB" smtClean="0"/>
+              <a:pPr algn="ctr"/>
+              <a:t>11</a:t>
+            </a:fld>
+            <a:endParaRPr lang="en-GB" dirty="0"/>
+          </a:p>
+        </p:txBody>
+      </p:sp>
+    </p:spTree>
+    <p:extLst>
+      <p:ext uri="{BB962C8B-B14F-4D97-AF65-F5344CB8AC3E}">
+        <p14:creationId xmlns:p14="http://schemas.microsoft.com/office/powerpoint/2010/main" val="106315528"/>
+      </p:ext>
+    </p:extLst>
+  </p:cSld>
+  <p:clrMapOvr>
+    <a:masterClrMapping/>
+  </p:clrMapOvr>
+</p:sld>
+</file>
+
+<file path=ppt/slides/slide12.xml><?xml version="1.0" encoding="utf-8"?>
+<p:sld xmlns:a="http://schemas.openxmlformats.org/drawingml/2006/main" xmlns:r="http://schemas.openxmlformats.org/officeDocument/2006/relationships" xmlns:p="http://schemas.openxmlformats.org/presentationml/2006/main">
+  <p:cSld>
+    <p:spTree>
+      <p:nvGrpSpPr>
+        <p:cNvPr id="1" name=""/>
+        <p:cNvGrpSpPr/>
+        <p:nvPr/>
+      </p:nvGrpSpPr>
+      <p:grpSpPr>
+        <a:xfrm>
+          <a:off x="0" y="0"/>
+          <a:ext cx="0" cy="0"/>
+          <a:chOff x="0" y="0"/>
+          <a:chExt cx="0" cy="0"/>
+        </a:xfrm>
+      </p:grpSpPr>
+      <p:sp>
+        <p:nvSpPr>
+          <p:cNvPr id="2" name="Title 1"/>
+          <p:cNvSpPr>
+            <a:spLocks noGrp="1"/>
+          </p:cNvSpPr>
+          <p:nvPr>
+            <p:ph type="title"/>
+          </p:nvPr>
+        </p:nvSpPr>
+        <p:spPr/>
+        <p:txBody>
+          <a:bodyPr/>
+          <a:lstStyle/>
+          <a:p>
+            <a:r>
+              <a:rPr lang="en-US" dirty="0"/>
+              <a:t>Some Transportation Sources</a:t>
+            </a:r>
+          </a:p>
+        </p:txBody>
+      </p:sp>
+      <p:sp>
+        <p:nvSpPr>
+          <p:cNvPr id="3" name="Content Placeholder 2"/>
+          <p:cNvSpPr>
+            <a:spLocks noGrp="1"/>
+          </p:cNvSpPr>
+          <p:nvPr>
+            <p:ph idx="1"/>
+          </p:nvPr>
+        </p:nvSpPr>
+        <p:spPr/>
+        <p:txBody>
+          <a:bodyPr/>
+          <a:lstStyle/>
+          <a:p>
+            <a:pPr marL="0" indent="0">
+              <a:buNone/>
+            </a:pPr>
+            <a:r>
+              <a:rPr lang="en-GB" sz="2000" dirty="0"/>
+              <a:t>Freight Analysis Framework: </a:t>
+            </a:r>
+            <a:r>
+              <a:rPr lang="en-GB" sz="2000" dirty="0">
+                <a:hlinkClick r:id="rId2"/>
+              </a:rPr>
+              <a:t>http://faf.ornl.gov/fafweb/</a:t>
+            </a:r>
+            <a:r>
+              <a:rPr lang="en-GB" sz="2000" dirty="0"/>
+              <a:t> </a:t>
+            </a:r>
+          </a:p>
+          <a:p>
+            <a:pPr marL="0" indent="0">
+              <a:buNone/>
+            </a:pPr>
+            <a:r>
+              <a:rPr lang="en-GB" sz="2000" dirty="0" err="1"/>
+              <a:t>OpenStreetMap</a:t>
+            </a:r>
+            <a:r>
+              <a:rPr lang="en-GB" sz="2000" dirty="0"/>
+              <a:t>: </a:t>
+            </a:r>
+            <a:r>
+              <a:rPr lang="en-GB" sz="2000" dirty="0">
+                <a:hlinkClick r:id="rId3"/>
+              </a:rPr>
+              <a:t>https://www.openstreetmap.org</a:t>
+            </a:r>
+            <a:r>
+              <a:rPr lang="en-GB" sz="2000" dirty="0"/>
+              <a:t> </a:t>
+            </a:r>
+          </a:p>
+          <a:p>
+            <a:pPr marL="0" indent="0">
+              <a:buNone/>
+            </a:pPr>
+            <a:r>
+              <a:rPr lang="en-GB" sz="2000" dirty="0"/>
+              <a:t>Rail Waybill: </a:t>
+            </a:r>
+            <a:r>
+              <a:rPr lang="en-GB" sz="2000" dirty="0">
+                <a:hlinkClick r:id="rId4"/>
+              </a:rPr>
+              <a:t>https://www.stb.gov/stb/industry/econ_waybill.html</a:t>
+            </a:r>
+            <a:r>
+              <a:rPr lang="en-GB" sz="2000" dirty="0"/>
+              <a:t> </a:t>
+            </a:r>
+          </a:p>
+          <a:p>
+            <a:pPr marL="0" indent="0">
+              <a:buNone/>
+            </a:pPr>
+            <a:r>
+              <a:rPr lang="en-GB" sz="2000" dirty="0"/>
+              <a:t>NYC Taxi Trips: </a:t>
+            </a:r>
+            <a:r>
+              <a:rPr lang="en-US" sz="2000" dirty="0">
+                <a:hlinkClick r:id="rId5"/>
+              </a:rPr>
+              <a:t>http://www.nyc.gov/html/tlc/html/about/trip_record_data.shtml</a:t>
+            </a:r>
+            <a:r>
+              <a:rPr lang="en-US" sz="2000" dirty="0"/>
+              <a:t> </a:t>
+            </a:r>
+          </a:p>
+          <a:p>
+            <a:pPr marL="0" indent="0">
+              <a:buNone/>
+            </a:pPr>
+            <a:r>
+              <a:rPr lang="en-US" sz="2000" dirty="0">
+                <a:hlinkClick r:id="rId6"/>
+              </a:rPr>
+              <a:t>http://toddwschneider.com/posts/analyzing-1-1-billion-nyc-taxi-and-uber-trips-with-a-vengeance/#taxi-data</a:t>
+            </a:r>
+            <a:r>
+              <a:rPr lang="en-US" sz="2000" dirty="0"/>
+              <a:t> </a:t>
+            </a:r>
+          </a:p>
+          <a:p>
+            <a:pPr marL="0" indent="0">
+              <a:buNone/>
+            </a:pPr>
+            <a:r>
+              <a:rPr lang="en-US" sz="2000" dirty="0"/>
+              <a:t>Accessibility Observatory: </a:t>
+            </a:r>
+            <a:r>
+              <a:rPr lang="en-US" sz="2000" dirty="0">
+                <a:hlinkClick r:id="rId7"/>
+              </a:rPr>
+              <a:t>http://ao.umn.edu/data/</a:t>
+            </a:r>
+            <a:r>
+              <a:rPr lang="en-US" sz="2000" dirty="0"/>
+              <a:t> </a:t>
+            </a:r>
+          </a:p>
+          <a:p>
+            <a:pPr marL="0" indent="0">
+              <a:buNone/>
+            </a:pPr>
+            <a:r>
+              <a:rPr lang="en-US" sz="2000" dirty="0" err="1"/>
+              <a:t>WalkScore</a:t>
+            </a:r>
+            <a:r>
+              <a:rPr lang="en-US" sz="2000" dirty="0"/>
+              <a:t>: </a:t>
+            </a:r>
+            <a:r>
+              <a:rPr lang="en-US" sz="2000" dirty="0">
+                <a:hlinkClick r:id="rId8"/>
+              </a:rPr>
+              <a:t>https://www.walkscore.com/professional/walk-score-apis.php</a:t>
+            </a:r>
+            <a:endParaRPr lang="en-US" sz="2000" dirty="0"/>
+          </a:p>
+          <a:p>
+            <a:pPr marL="0" indent="0">
+              <a:buNone/>
+            </a:pPr>
+            <a:r>
+              <a:rPr lang="en-US" sz="2000" dirty="0"/>
+              <a:t>Uber Movement: </a:t>
+            </a:r>
+            <a:r>
+              <a:rPr lang="en-US" sz="2000" dirty="0">
+                <a:hlinkClick r:id="rId9"/>
+              </a:rPr>
+              <a:t>https://movement.uber.com/cities</a:t>
+            </a:r>
+            <a:r>
+              <a:rPr lang="en-US" sz="2000" dirty="0"/>
+              <a:t> </a:t>
+            </a:r>
+          </a:p>
+          <a:p>
+            <a:pPr marL="0" indent="0">
+              <a:buNone/>
+            </a:pPr>
+            <a:r>
+              <a:rPr lang="en-US" sz="2000" dirty="0" err="1"/>
+              <a:t>OneBusAway</a:t>
+            </a:r>
+            <a:r>
+              <a:rPr lang="en-US" sz="2000" dirty="0"/>
+              <a:t>: </a:t>
+            </a:r>
+            <a:r>
+              <a:rPr lang="en-US" sz="2000" dirty="0">
+                <a:hlinkClick r:id="rId10"/>
+              </a:rPr>
+              <a:t>http://onebusaway.org/</a:t>
+            </a:r>
+            <a:r>
+              <a:rPr lang="en-US" sz="2000" dirty="0"/>
+              <a:t> </a:t>
+            </a:r>
+          </a:p>
+          <a:p>
+            <a:pPr marL="0" indent="0">
+              <a:buNone/>
+            </a:pPr>
+            <a:r>
+              <a:rPr lang="en-US" sz="2000" dirty="0"/>
+              <a:t>GTFS: </a:t>
+            </a:r>
+            <a:r>
+              <a:rPr lang="en-US" sz="2000" dirty="0">
+                <a:hlinkClick r:id="rId11"/>
+              </a:rPr>
+              <a:t>https://developers.google.com/transit/gtfs/</a:t>
+            </a:r>
+            <a:r>
+              <a:rPr lang="en-US" sz="2000" dirty="0"/>
+              <a:t> </a:t>
+            </a:r>
+          </a:p>
+          <a:p>
+            <a:pPr marL="0" indent="0">
+              <a:buNone/>
+            </a:pPr>
+            <a:r>
+              <a:rPr lang="en-US" sz="2000" dirty="0">
+                <a:hlinkClick r:id="rId12"/>
+              </a:rPr>
+              <a:t>http://www.gtfs-data-exchange.com/</a:t>
+            </a:r>
+            <a:r>
+              <a:rPr lang="en-US" sz="2000" dirty="0"/>
+              <a:t> </a:t>
+            </a:r>
+          </a:p>
+        </p:txBody>
+      </p:sp>
+      <p:sp>
+        <p:nvSpPr>
+          <p:cNvPr id="4" name="Slide Number Placeholder 3"/>
+          <p:cNvSpPr>
+            <a:spLocks noGrp="1"/>
+          </p:cNvSpPr>
+          <p:nvPr>
+            <p:ph type="sldNum" sz="quarter" idx="10"/>
+          </p:nvPr>
+        </p:nvSpPr>
+        <p:spPr/>
+        <p:txBody>
+          <a:bodyPr/>
+          <a:lstStyle/>
+          <a:p>
+            <a:pPr algn="ctr"/>
+            <a:fld id="{DB5A3A47-29A7-45E5-923E-10FF85749154}" type="slidenum">
+              <a:rPr lang="en-GB" smtClean="0"/>
+              <a:pPr algn="ctr"/>
+              <a:t>12</a:t>
+            </a:fld>
+            <a:endParaRPr lang="en-GB" dirty="0"/>
+          </a:p>
+        </p:txBody>
+      </p:sp>
+    </p:spTree>
+    <p:extLst>
+      <p:ext uri="{BB962C8B-B14F-4D97-AF65-F5344CB8AC3E}">
+        <p14:creationId xmlns:p14="http://schemas.microsoft.com/office/powerpoint/2010/main" val="3406012432"/>
+      </p:ext>
+    </p:extLst>
+  </p:cSld>
+  <p:clrMapOvr>
+    <a:masterClrMapping/>
+  </p:clrMapOvr>
+</p:sld>
+</file>
+
+<file path=ppt/slides/slide13.xml><?xml version="1.0" encoding="utf-8"?>
+<p:sld xmlns:a="http://schemas.openxmlformats.org/drawingml/2006/main" xmlns:r="http://schemas.openxmlformats.org/officeDocument/2006/relationships" xmlns:p="http://schemas.openxmlformats.org/presentationml/2006/main">
+  <p:cSld>
+    <p:spTree>
+      <p:nvGrpSpPr>
+        <p:cNvPr id="1" name=""/>
+        <p:cNvGrpSpPr/>
+        <p:nvPr/>
+      </p:nvGrpSpPr>
+      <p:grpSpPr>
+        <a:xfrm>
+          <a:off x="0" y="0"/>
+          <a:ext cx="0" cy="0"/>
+          <a:chOff x="0" y="0"/>
+          <a:chExt cx="0" cy="0"/>
+        </a:xfrm>
+      </p:grpSpPr>
+      <p:sp>
+        <p:nvSpPr>
+          <p:cNvPr id="2" name="Title 1"/>
+          <p:cNvSpPr>
+            <a:spLocks noGrp="1"/>
+          </p:cNvSpPr>
+          <p:nvPr>
+            <p:ph type="title"/>
+          </p:nvPr>
+        </p:nvSpPr>
+        <p:spPr/>
+        <p:txBody>
+          <a:bodyPr/>
+          <a:lstStyle/>
+          <a:p>
+            <a:r>
+              <a:rPr lang="en-US" dirty="0"/>
+              <a:t>Some Transportation Sources</a:t>
+            </a:r>
+          </a:p>
+        </p:txBody>
+      </p:sp>
+      <p:sp>
+        <p:nvSpPr>
+          <p:cNvPr id="3" name="Content Placeholder 2"/>
+          <p:cNvSpPr>
+            <a:spLocks noGrp="1"/>
+          </p:cNvSpPr>
+          <p:nvPr>
+            <p:ph idx="1"/>
+          </p:nvPr>
+        </p:nvSpPr>
+        <p:spPr/>
+        <p:txBody>
+          <a:bodyPr/>
+          <a:lstStyle/>
+          <a:p>
+            <a:pPr marL="0" indent="0">
+              <a:buNone/>
+            </a:pPr>
+            <a:r>
+              <a:rPr lang="en-US" sz="2000" dirty="0"/>
+              <a:t>Waze: </a:t>
+            </a:r>
+            <a:r>
+              <a:rPr lang="en-US" sz="2000" dirty="0">
+                <a:hlinkClick r:id="rId2"/>
+              </a:rPr>
+              <a:t>https://www.</a:t>
+            </a:r>
+            <a:r>
+              <a:rPr lang="en-US" sz="2000" b="1" dirty="0">
+                <a:hlinkClick r:id="rId2"/>
+              </a:rPr>
+              <a:t>waze</a:t>
+            </a:r>
+            <a:r>
+              <a:rPr lang="en-US" sz="2000" dirty="0">
+                <a:hlinkClick r:id="rId2"/>
+              </a:rPr>
+              <a:t>.com/about/dev</a:t>
+            </a:r>
+            <a:r>
+              <a:rPr lang="en-US" sz="2000" dirty="0"/>
+              <a:t> </a:t>
+            </a:r>
+          </a:p>
+          <a:p>
+            <a:pPr marL="0" indent="0">
+              <a:buNone/>
+            </a:pPr>
+            <a:r>
+              <a:rPr lang="en-US" sz="2000" dirty="0"/>
+              <a:t>Google Maps Distance Matrix API: </a:t>
+            </a:r>
+          </a:p>
+          <a:p>
+            <a:pPr marL="0" indent="0">
+              <a:buNone/>
+            </a:pPr>
+            <a:r>
+              <a:rPr lang="en-US" sz="2000" dirty="0">
+                <a:hlinkClick r:id="rId3"/>
+              </a:rPr>
+              <a:t>https://developers.google.com/maps/web-services/</a:t>
+            </a:r>
+            <a:r>
+              <a:rPr lang="en-US" sz="2000" dirty="0"/>
+              <a:t> </a:t>
+            </a:r>
+          </a:p>
+          <a:p>
+            <a:pPr marL="0" indent="0">
+              <a:buNone/>
+            </a:pPr>
+            <a:r>
+              <a:rPr lang="en-US" sz="2000" dirty="0"/>
+              <a:t>Here: </a:t>
+            </a:r>
+            <a:r>
+              <a:rPr lang="en-US" sz="2000" dirty="0">
+                <a:hlinkClick r:id="rId4"/>
+              </a:rPr>
+              <a:t>https://developer.here.com/</a:t>
+            </a:r>
+            <a:r>
+              <a:rPr lang="en-US" sz="2000" dirty="0"/>
+              <a:t> </a:t>
+            </a:r>
+          </a:p>
+          <a:p>
+            <a:pPr marL="0" indent="0">
+              <a:buNone/>
+            </a:pPr>
+            <a:r>
+              <a:rPr lang="en-US" sz="2000" dirty="0"/>
+              <a:t>INRIX: </a:t>
+            </a:r>
+            <a:r>
+              <a:rPr lang="en-US" sz="2000" dirty="0">
+                <a:hlinkClick r:id="rId5"/>
+              </a:rPr>
+              <a:t>http://inrix.com/</a:t>
+            </a:r>
+            <a:endParaRPr lang="en-US" sz="2000" dirty="0"/>
+          </a:p>
+          <a:p>
+            <a:pPr marL="0" indent="0">
+              <a:buNone/>
+            </a:pPr>
+            <a:r>
+              <a:rPr lang="en-US" sz="2000" dirty="0" err="1"/>
+              <a:t>AirSage</a:t>
+            </a:r>
+            <a:r>
+              <a:rPr lang="en-US" sz="2000" dirty="0"/>
+              <a:t>: </a:t>
+            </a:r>
+            <a:r>
+              <a:rPr lang="en-US" sz="2000" dirty="0">
+                <a:hlinkClick r:id="rId6"/>
+              </a:rPr>
+              <a:t>http://www.airsage.com/</a:t>
+            </a:r>
+            <a:r>
+              <a:rPr lang="en-US" sz="2000" dirty="0"/>
+              <a:t> </a:t>
+            </a:r>
+          </a:p>
+          <a:p>
+            <a:pPr marL="0" indent="0">
+              <a:buNone/>
+            </a:pPr>
+            <a:endParaRPr lang="en-US" sz="2000" dirty="0"/>
+          </a:p>
+          <a:p>
+            <a:pPr marL="0" indent="0">
+              <a:buNone/>
+            </a:pPr>
+            <a:r>
+              <a:rPr lang="en-US" sz="2000" dirty="0"/>
+              <a:t>As noted previously: </a:t>
+            </a:r>
+          </a:p>
+          <a:p>
+            <a:pPr marL="0" indent="0">
+              <a:buNone/>
+            </a:pPr>
+            <a:r>
+              <a:rPr lang="en-US" sz="2000" dirty="0"/>
+              <a:t>Public Transit: </a:t>
+            </a:r>
+            <a:r>
+              <a:rPr lang="en-US" sz="2000" dirty="0">
+                <a:hlinkClick r:id="rId7"/>
+              </a:rPr>
+              <a:t>https://www.programmableweb.com/news/how-smart-cities-are-using-apis-public-transport-apis/2014/05/22</a:t>
+            </a:r>
+            <a:endParaRPr lang="en-US" sz="2000" dirty="0"/>
+          </a:p>
+          <a:p>
+            <a:pPr marL="0" indent="0">
+              <a:buNone/>
+            </a:pPr>
+            <a:r>
+              <a:rPr lang="en-US" sz="2000" dirty="0"/>
+              <a:t>Long-Distance Travel: </a:t>
+            </a:r>
+            <a:r>
+              <a:rPr lang="en-US" sz="2000" dirty="0">
+                <a:hlinkClick r:id="rId8"/>
+              </a:rPr>
+              <a:t>http://www.olery.com/blog/the-best-travel-apis-discover-contribute/</a:t>
+            </a:r>
+            <a:r>
+              <a:rPr lang="en-US" sz="2000" dirty="0"/>
+              <a:t> </a:t>
+            </a:r>
+          </a:p>
+          <a:p>
+            <a:pPr marL="0" indent="0">
+              <a:buNone/>
+            </a:pPr>
+            <a:r>
+              <a:rPr lang="en-US" sz="2000" dirty="0"/>
+              <a:t>Transportation: </a:t>
+            </a:r>
+            <a:r>
+              <a:rPr lang="en-US" sz="2000" dirty="0">
+                <a:hlinkClick r:id="rId9"/>
+              </a:rPr>
+              <a:t>https://www.programmableweb.com/category/transportation/api</a:t>
+            </a:r>
+            <a:endParaRPr lang="en-US" sz="2000" dirty="0"/>
+          </a:p>
+          <a:p>
+            <a:pPr marL="0" indent="0">
+              <a:buNone/>
+            </a:pPr>
+            <a:endParaRPr lang="en-US" sz="2000" dirty="0"/>
+          </a:p>
+          <a:p>
+            <a:pPr marL="0" indent="0">
+              <a:buNone/>
+            </a:pPr>
+            <a:endParaRPr lang="en-US" sz="2000" dirty="0"/>
+          </a:p>
+        </p:txBody>
+      </p:sp>
+      <p:sp>
+        <p:nvSpPr>
+          <p:cNvPr id="4" name="Slide Number Placeholder 3"/>
+          <p:cNvSpPr>
+            <a:spLocks noGrp="1"/>
+          </p:cNvSpPr>
+          <p:nvPr>
+            <p:ph type="sldNum" sz="quarter" idx="10"/>
+          </p:nvPr>
+        </p:nvSpPr>
+        <p:spPr/>
+        <p:txBody>
+          <a:bodyPr/>
+          <a:lstStyle/>
+          <a:p>
+            <a:pPr algn="ctr"/>
+            <a:fld id="{DB5A3A47-29A7-45E5-923E-10FF85749154}" type="slidenum">
+              <a:rPr lang="en-GB" smtClean="0"/>
+              <a:pPr algn="ctr"/>
+              <a:t>13</a:t>
+            </a:fld>
+            <a:endParaRPr lang="en-GB" dirty="0"/>
+          </a:p>
+        </p:txBody>
+      </p:sp>
+    </p:spTree>
+    <p:extLst>
+      <p:ext uri="{BB962C8B-B14F-4D97-AF65-F5344CB8AC3E}">
+        <p14:creationId xmlns:p14="http://schemas.microsoft.com/office/powerpoint/2010/main" val="4118341564"/>
+      </p:ext>
+    </p:extLst>
+  </p:cSld>
+  <p:clrMapOvr>
+    <a:masterClrMapping/>
+  </p:clrMapOvr>
+</p:sld>
+</file>
+
+<file path=ppt/slides/slide14.xml><?xml version="1.0" encoding="utf-8"?>
+<p:sld xmlns:a="http://schemas.openxmlformats.org/drawingml/2006/main" xmlns:r="http://schemas.openxmlformats.org/officeDocument/2006/relationships" xmlns:p="http://schemas.openxmlformats.org/presentationml/2006/main">
+  <p:cSld>
+    <p:spTree>
+      <p:nvGrpSpPr>
+        <p:cNvPr id="1" name=""/>
+        <p:cNvGrpSpPr/>
+        <p:nvPr/>
+      </p:nvGrpSpPr>
+      <p:grpSpPr>
+        <a:xfrm>
+          <a:off x="0" y="0"/>
+          <a:ext cx="0" cy="0"/>
+          <a:chOff x="0" y="0"/>
+          <a:chExt cx="0" cy="0"/>
+        </a:xfrm>
+      </p:grpSpPr>
+      <p:sp>
+        <p:nvSpPr>
+          <p:cNvPr id="2" name="Title 1"/>
+          <p:cNvSpPr>
+            <a:spLocks noGrp="1"/>
+          </p:cNvSpPr>
+          <p:nvPr>
+            <p:ph type="title"/>
+          </p:nvPr>
+        </p:nvSpPr>
+        <p:spPr/>
+        <p:txBody>
+          <a:bodyPr/>
+          <a:lstStyle/>
+          <a:p>
+            <a:r>
+              <a:rPr lang="en-US" dirty="0"/>
+              <a:t>General Open Data Resources</a:t>
+            </a:r>
+          </a:p>
+        </p:txBody>
+      </p:sp>
+      <p:sp>
+        <p:nvSpPr>
+          <p:cNvPr id="3" name="Content Placeholder 2"/>
+          <p:cNvSpPr>
+            <a:spLocks noGrp="1"/>
+          </p:cNvSpPr>
+          <p:nvPr>
+            <p:ph idx="1"/>
+          </p:nvPr>
+        </p:nvSpPr>
+        <p:spPr/>
+        <p:txBody>
+          <a:bodyPr/>
+          <a:lstStyle/>
+          <a:p>
+            <a:pPr marL="0" indent="0">
+              <a:buNone/>
+            </a:pPr>
+            <a:r>
+              <a:rPr lang="en-GB" sz="2000" dirty="0"/>
+              <a:t>US Census: </a:t>
+            </a:r>
+            <a:r>
+              <a:rPr lang="en-GB" sz="2000" dirty="0">
+                <a:hlinkClick r:id="rId2"/>
+              </a:rPr>
+              <a:t>http://www.census.gov/</a:t>
+            </a:r>
+            <a:endParaRPr lang="en-GB" sz="2000" dirty="0"/>
+          </a:p>
+          <a:p>
+            <a:pPr marL="0" indent="0">
+              <a:buNone/>
+            </a:pPr>
+            <a:r>
+              <a:rPr lang="en-GB" sz="2000" dirty="0"/>
+              <a:t>Federal Open Data: </a:t>
+            </a:r>
+            <a:r>
+              <a:rPr lang="en-GB" sz="2000" dirty="0">
+                <a:hlinkClick r:id="rId3"/>
+              </a:rPr>
+              <a:t>https://www.data.gov/</a:t>
+            </a:r>
+            <a:r>
+              <a:rPr lang="en-GB" sz="2000" dirty="0"/>
+              <a:t> </a:t>
+            </a:r>
+          </a:p>
+          <a:p>
+            <a:pPr marL="0" indent="0">
+              <a:buNone/>
+            </a:pPr>
+            <a:r>
+              <a:rPr lang="en-GB" sz="2000" dirty="0"/>
+              <a:t>Open Data Network: </a:t>
+            </a:r>
+            <a:r>
+              <a:rPr lang="en-GB" sz="2000" dirty="0">
+                <a:hlinkClick r:id="rId4"/>
+              </a:rPr>
+              <a:t>https://www.opendatanetwork.com</a:t>
+            </a:r>
+            <a:r>
+              <a:rPr lang="en-GB" sz="2000" dirty="0"/>
+              <a:t> </a:t>
+            </a:r>
+          </a:p>
+          <a:p>
+            <a:pPr marL="0" indent="0">
+              <a:buNone/>
+            </a:pPr>
+            <a:r>
+              <a:rPr lang="en-GB" sz="2000" dirty="0"/>
+              <a:t>Open Data Institute: </a:t>
+            </a:r>
+            <a:r>
+              <a:rPr lang="en-GB" sz="2000" dirty="0">
+                <a:hlinkClick r:id="rId5"/>
+              </a:rPr>
+              <a:t>http://theodi.org/</a:t>
+            </a:r>
+            <a:r>
+              <a:rPr lang="en-GB" sz="2000" dirty="0"/>
+              <a:t> </a:t>
+            </a:r>
+          </a:p>
+          <a:p>
+            <a:pPr marL="0" indent="0">
+              <a:buNone/>
+            </a:pPr>
+            <a:r>
+              <a:rPr lang="en-GB" sz="2000" dirty="0"/>
+              <a:t>Civic Data: </a:t>
+            </a:r>
+            <a:r>
+              <a:rPr lang="en-GB" sz="2000" dirty="0">
+                <a:hlinkClick r:id="rId6"/>
+              </a:rPr>
+              <a:t>http://www.civicdata.io/</a:t>
+            </a:r>
+            <a:r>
+              <a:rPr lang="en-GB" sz="2000" dirty="0"/>
+              <a:t> </a:t>
+            </a:r>
+          </a:p>
+          <a:p>
+            <a:pPr marL="0" indent="0">
+              <a:buNone/>
+            </a:pPr>
+            <a:r>
+              <a:rPr lang="en-GB" sz="2000" dirty="0"/>
+              <a:t>Lexington: </a:t>
+            </a:r>
+            <a:r>
+              <a:rPr lang="en-GB" sz="2000" dirty="0">
+                <a:hlinkClick r:id="rId7"/>
+              </a:rPr>
+              <a:t>http://data.lexingtonky.gov/</a:t>
+            </a:r>
+            <a:r>
+              <a:rPr lang="en-GB" sz="2000" dirty="0"/>
+              <a:t> </a:t>
+            </a:r>
+          </a:p>
+          <a:p>
+            <a:pPr marL="0" indent="0">
+              <a:buNone/>
+            </a:pPr>
+            <a:r>
+              <a:rPr lang="en-GB" sz="2000" dirty="0" err="1"/>
+              <a:t>KyTC</a:t>
+            </a:r>
+            <a:r>
+              <a:rPr lang="en-GB" sz="2000" dirty="0"/>
+              <a:t>: </a:t>
+            </a:r>
+            <a:r>
+              <a:rPr lang="en-GB" sz="2000" dirty="0">
+                <a:hlinkClick r:id="rId8"/>
+              </a:rPr>
+              <a:t>http://datamart.business.transportation.ky.gov/</a:t>
+            </a:r>
+            <a:r>
+              <a:rPr lang="en-GB" sz="2000" dirty="0"/>
+              <a:t> </a:t>
+            </a:r>
+          </a:p>
+          <a:p>
+            <a:pPr marL="0" indent="0">
+              <a:buNone/>
+            </a:pPr>
+            <a:r>
+              <a:rPr lang="en-GB" sz="2000" dirty="0"/>
+              <a:t>San Francisco: </a:t>
+            </a:r>
+            <a:r>
+              <a:rPr lang="en-GB" sz="2000" dirty="0">
+                <a:hlinkClick r:id="rId9"/>
+              </a:rPr>
+              <a:t>https://data.sfgov.org/</a:t>
+            </a:r>
+            <a:r>
+              <a:rPr lang="en-GB" sz="2000" dirty="0"/>
+              <a:t> </a:t>
+            </a:r>
+          </a:p>
+          <a:p>
+            <a:pPr marL="0" indent="0">
+              <a:buNone/>
+            </a:pPr>
+            <a:r>
+              <a:rPr lang="en-GB" sz="2000" dirty="0"/>
+              <a:t>MTC (Bay Area transport): </a:t>
+            </a:r>
+            <a:r>
+              <a:rPr lang="en-GB" sz="2000" dirty="0">
+                <a:hlinkClick r:id="rId10"/>
+              </a:rPr>
+              <a:t>https://511.org/developers/list/apis/</a:t>
+            </a:r>
+            <a:endParaRPr lang="en-GB" sz="2000" dirty="0"/>
+          </a:p>
+          <a:p>
+            <a:pPr marL="0" indent="0">
+              <a:buNone/>
+            </a:pPr>
+            <a:endParaRPr lang="en-GB" sz="2000" dirty="0"/>
+          </a:p>
+          <a:p>
+            <a:pPr marL="0" indent="0">
+              <a:buNone/>
+            </a:pPr>
+            <a:r>
+              <a:rPr lang="en-GB" sz="2000" dirty="0"/>
+              <a:t>Third-Party Lists</a:t>
+            </a:r>
+          </a:p>
+          <a:p>
+            <a:pPr marL="0" indent="0">
+              <a:buNone/>
+            </a:pPr>
+            <a:r>
+              <a:rPr lang="en-US" sz="2000" dirty="0">
+                <a:hlinkClick r:id="rId11"/>
+              </a:rPr>
+              <a:t>http://www.forbes.com/sites/bernardmarr/2016/02/12/big-data-35-brilliant-and-free-data-sources-for-2016/#7b8a78bb6796</a:t>
+            </a:r>
+            <a:r>
+              <a:rPr lang="en-US" sz="2000" dirty="0"/>
+              <a:t> </a:t>
+            </a:r>
+            <a:endParaRPr lang="en-GB" sz="2000" dirty="0"/>
+          </a:p>
+          <a:p>
+            <a:pPr marL="0" indent="0">
+              <a:buNone/>
+            </a:pPr>
+            <a:r>
+              <a:rPr lang="en-GB" sz="2000" dirty="0">
+                <a:hlinkClick r:id="rId12"/>
+              </a:rPr>
+              <a:t>http://www.scribblelive.com/blog/2012/03/30/data-sources/</a:t>
+            </a:r>
+            <a:endParaRPr lang="en-GB" sz="2000" dirty="0"/>
+          </a:p>
+          <a:p>
+            <a:pPr marL="0" indent="0">
+              <a:buNone/>
+            </a:pPr>
+            <a:r>
+              <a:rPr lang="en-GB" sz="2000" dirty="0"/>
+              <a:t> </a:t>
+            </a:r>
+            <a:endParaRPr lang="en-US" sz="2000" dirty="0"/>
+          </a:p>
+        </p:txBody>
+      </p:sp>
+      <p:sp>
+        <p:nvSpPr>
+          <p:cNvPr id="4" name="Slide Number Placeholder 3"/>
+          <p:cNvSpPr>
+            <a:spLocks noGrp="1"/>
+          </p:cNvSpPr>
+          <p:nvPr>
+            <p:ph type="sldNum" sz="quarter" idx="10"/>
+          </p:nvPr>
+        </p:nvSpPr>
+        <p:spPr/>
+        <p:txBody>
+          <a:bodyPr/>
+          <a:lstStyle/>
+          <a:p>
+            <a:pPr algn="ctr"/>
+            <a:fld id="{DB5A3A47-29A7-45E5-923E-10FF85749154}" type="slidenum">
+              <a:rPr lang="en-GB" smtClean="0"/>
+              <a:pPr algn="ctr"/>
+              <a:t>14</a:t>
+            </a:fld>
+            <a:endParaRPr lang="en-GB" dirty="0"/>
+          </a:p>
+        </p:txBody>
+      </p:sp>
+    </p:spTree>
+    <p:extLst>
+      <p:ext uri="{BB962C8B-B14F-4D97-AF65-F5344CB8AC3E}">
+        <p14:creationId xmlns:p14="http://schemas.microsoft.com/office/powerpoint/2010/main" val="2366718541"/>
+      </p:ext>
+    </p:extLst>
+  </p:cSld>
+  <p:clrMapOvr>
+    <a:masterClrMapping/>
+  </p:clrMapOvr>
+</p:sld>
+</file>
+
+<file path=ppt/slides/slide15.xml><?xml version="1.0" encoding="utf-8"?>
+<p:sld xmlns:a="http://schemas.openxmlformats.org/drawingml/2006/main" xmlns:r="http://schemas.openxmlformats.org/officeDocument/2006/relationships" xmlns:p="http://schemas.openxmlformats.org/presentationml/2006/main">
+  <p:cSld>
+    <p:spTree>
+      <p:nvGrpSpPr>
+        <p:cNvPr id="1" name=""/>
+        <p:cNvGrpSpPr/>
+        <p:nvPr/>
+      </p:nvGrpSpPr>
+      <p:grpSpPr>
+        <a:xfrm>
+          <a:off x="0" y="0"/>
+          <a:ext cx="0" cy="0"/>
+          <a:chOff x="0" y="0"/>
+          <a:chExt cx="0" cy="0"/>
+        </a:xfrm>
+      </p:grpSpPr>
+      <p:sp>
+        <p:nvSpPr>
+          <p:cNvPr id="2" name="Title 1"/>
+          <p:cNvSpPr>
+            <a:spLocks noGrp="1"/>
+          </p:cNvSpPr>
+          <p:nvPr>
+            <p:ph type="title"/>
+          </p:nvPr>
+        </p:nvSpPr>
+        <p:spPr/>
+        <p:txBody>
+          <a:bodyPr/>
+          <a:lstStyle/>
+          <a:p>
+            <a:r>
+              <a:rPr lang="en-US" dirty="0"/>
+              <a:t>Open-Source Software</a:t>
+            </a:r>
+          </a:p>
+        </p:txBody>
+      </p:sp>
+      <p:sp>
+        <p:nvSpPr>
+          <p:cNvPr id="4" name="Slide Number Placeholder 3"/>
+          <p:cNvSpPr>
+            <a:spLocks noGrp="1"/>
+          </p:cNvSpPr>
+          <p:nvPr>
+            <p:ph type="sldNum" sz="quarter" idx="10"/>
+          </p:nvPr>
+        </p:nvSpPr>
+        <p:spPr/>
+        <p:txBody>
+          <a:bodyPr/>
+          <a:lstStyle/>
+          <a:p>
+            <a:pPr algn="ctr"/>
+            <a:fld id="{DB5A3A47-29A7-45E5-923E-10FF85749154}" type="slidenum">
+              <a:rPr lang="en-GB" smtClean="0"/>
+              <a:pPr algn="ctr"/>
+              <a:t>15</a:t>
             </a:fld>
             <a:endParaRPr lang="en-GB" dirty="0"/>
           </a:p>
@@ -4602,7 +5646,7 @@
 </p:sld>
 </file>
 
-<file path=ppt/slides/slide11.xml><?xml version="1.0" encoding="utf-8"?>
+<file path=ppt/slides/slide16.xml><?xml version="1.0" encoding="utf-8"?>
 <p:sld xmlns:a="http://schemas.openxmlformats.org/drawingml/2006/main" xmlns:r="http://schemas.openxmlformats.org/officeDocument/2006/relationships" xmlns:p="http://schemas.openxmlformats.org/presentationml/2006/main">
   <p:cSld>
     <p:spTree>
@@ -4751,7 +5795,7 @@
             <a:fld id="{DB5A3A47-29A7-45E5-923E-10FF85749154}" type="slidenum">
               <a:rPr lang="en-GB" smtClean="0"/>
               <a:pPr algn="ctr"/>
-              <a:t>11</a:t>
+              <a:t>16</a:t>
             </a:fld>
             <a:endParaRPr lang="en-GB" dirty="0"/>
           </a:p>
@@ -4770,7 +5814,7 @@
 </p:sld>
 </file>
 
-<file path=ppt/slides/slide12.xml><?xml version="1.0" encoding="utf-8"?>
+<file path=ppt/slides/slide17.xml><?xml version="1.0" encoding="utf-8"?>
 <p:sld xmlns:a="http://schemas.openxmlformats.org/drawingml/2006/main" xmlns:r="http://schemas.openxmlformats.org/officeDocument/2006/relationships" xmlns:p="http://schemas.openxmlformats.org/presentationml/2006/main">
   <p:cSld>
     <p:spTree>
@@ -4923,7 +5967,7 @@
             <a:fld id="{DB5A3A47-29A7-45E5-923E-10FF85749154}" type="slidenum">
               <a:rPr lang="en-GB" smtClean="0"/>
               <a:pPr algn="ctr"/>
-              <a:t>12</a:t>
+              <a:t>17</a:t>
             </a:fld>
             <a:endParaRPr lang="en-GB" dirty="0"/>
           </a:p>
@@ -4942,7 +5986,7 @@
 </p:sld>
 </file>
 
-<file path=ppt/slides/slide13.xml><?xml version="1.0" encoding="utf-8"?>
+<file path=ppt/slides/slide18.xml><?xml version="1.0" encoding="utf-8"?>
 <p:sld xmlns:a="http://schemas.openxmlformats.org/drawingml/2006/main" xmlns:r="http://schemas.openxmlformats.org/officeDocument/2006/relationships" xmlns:p="http://schemas.openxmlformats.org/presentationml/2006/main">
   <p:cSld>
     <p:spTree>
@@ -5064,7 +6108,7 @@
             <a:fld id="{DB5A3A47-29A7-45E5-923E-10FF85749154}" type="slidenum">
               <a:rPr lang="en-GB" smtClean="0"/>
               <a:pPr algn="ctr"/>
-              <a:t>13</a:t>
+              <a:t>18</a:t>
             </a:fld>
             <a:endParaRPr lang="en-GB" dirty="0"/>
           </a:p>
@@ -5208,7 +6252,7 @@
 </p:sld>
 </file>
 
-<file path=ppt/slides/slide14.xml><?xml version="1.0" encoding="utf-8"?>
+<file path=ppt/slides/slide19.xml><?xml version="1.0" encoding="utf-8"?>
 <p:sld xmlns:a="http://schemas.openxmlformats.org/drawingml/2006/main" xmlns:r="http://schemas.openxmlformats.org/officeDocument/2006/relationships" xmlns:p="http://schemas.openxmlformats.org/presentationml/2006/main">
   <p:cSld>
     <p:spTree>
@@ -5302,7 +6346,7 @@
             <a:fld id="{DB5A3A47-29A7-45E5-923E-10FF85749154}" type="slidenum">
               <a:rPr lang="en-GB" smtClean="0"/>
               <a:pPr algn="ctr"/>
-              <a:t>14</a:t>
+              <a:t>19</a:t>
             </a:fld>
             <a:endParaRPr lang="en-GB" dirty="0"/>
           </a:p>
@@ -5557,7 +6601,7 @@
 </p:sld>
 </file>
 
-<file path=ppt/slides/slide15.xml><?xml version="1.0" encoding="utf-8"?>
+<file path=ppt/slides/slide2.xml><?xml version="1.0" encoding="utf-8"?>
 <p:sld xmlns:a="http://schemas.openxmlformats.org/drawingml/2006/main" xmlns:r="http://schemas.openxmlformats.org/officeDocument/2006/relationships" xmlns:p="http://schemas.openxmlformats.org/presentationml/2006/main">
   <p:cSld>
     <p:spTree>
@@ -5591,14 +6635,7 @@
           <a:p>
             <a:r>
               <a:rPr lang="en-US" dirty="0"/>
-              <a:t>Some Open-Source Software Resources</a:t>
-            </a:r>
-            <a:br>
-              <a:rPr lang="en-US" dirty="0"/>
-            </a:br>
-            <a:r>
-              <a:rPr lang="en-US" dirty="0"/>
-              <a:t>(start from the top)</a:t>
+              <a:t>Today’s Topics</a:t>
             </a:r>
           </a:p>
         </p:txBody>
@@ -5613,136 +6650,45 @@
             <p:ph idx="1"/>
           </p:nvPr>
         </p:nvSpPr>
-        <p:spPr>
-          <a:xfrm>
-            <a:off x="330200" y="2033845"/>
-            <a:ext cx="8489950" cy="4303455"/>
-          </a:xfrm>
-        </p:spPr>
+        <p:spPr/>
         <p:txBody>
           <a:bodyPr/>
           <a:lstStyle/>
           <a:p>
-            <a:pPr marL="0" indent="0">
-              <a:buNone/>
-            </a:pPr>
-            <a:r>
-              <a:rPr lang="en-GB" sz="2000" dirty="0"/>
-              <a:t>1. Python Standard Library</a:t>
-            </a:r>
-          </a:p>
-          <a:p>
-            <a:pPr marL="0" indent="0">
-              <a:buNone/>
-            </a:pPr>
-            <a:r>
-              <a:rPr lang="en-GB" sz="2000" dirty="0">
-                <a:hlinkClick r:id="rId2"/>
-              </a:rPr>
-              <a:t>https://docs.python.org/3/library/</a:t>
-            </a:r>
-            <a:r>
-              <a:rPr lang="en-GB" sz="2000" dirty="0"/>
-              <a:t> </a:t>
-            </a:r>
-          </a:p>
-          <a:p>
-            <a:pPr marL="0" indent="0">
-              <a:buNone/>
-            </a:pPr>
-            <a:endParaRPr lang="en-GB" sz="2000" dirty="0"/>
-          </a:p>
-          <a:p>
-            <a:pPr marL="0" indent="0">
-              <a:buNone/>
-            </a:pPr>
-            <a:r>
-              <a:rPr lang="en-GB" sz="2000" dirty="0"/>
-              <a:t>2. Python Open Data Science Stack</a:t>
-            </a:r>
-          </a:p>
-          <a:p>
-            <a:pPr marL="0" indent="0">
-              <a:buNone/>
-            </a:pPr>
-            <a:r>
-              <a:rPr lang="en-GB" sz="2000" dirty="0">
-                <a:hlinkClick r:id="rId3"/>
-              </a:rPr>
-              <a:t>http://pydata.org/downloads.html</a:t>
-            </a:r>
-            <a:r>
-              <a:rPr lang="en-GB" sz="2000" dirty="0"/>
-              <a:t> </a:t>
-            </a:r>
-          </a:p>
-          <a:p>
-            <a:pPr marL="0" indent="0">
-              <a:buNone/>
-            </a:pPr>
-            <a:endParaRPr lang="en-GB" sz="2000" dirty="0"/>
-          </a:p>
-          <a:p>
-            <a:pPr marL="0" indent="0">
-              <a:buNone/>
-            </a:pPr>
-            <a:r>
-              <a:rPr lang="en-GB" sz="2000" dirty="0"/>
-              <a:t>3. Anaconda Packages</a:t>
-            </a:r>
-          </a:p>
-          <a:p>
-            <a:pPr marL="0" indent="0">
-              <a:buNone/>
-            </a:pPr>
-            <a:r>
-              <a:rPr lang="en-GB" sz="2000" dirty="0">
-                <a:hlinkClick r:id="rId4"/>
-              </a:rPr>
-              <a:t>https://docs.continuum.io/anaconda/pkg-docs</a:t>
-            </a:r>
-            <a:r>
-              <a:rPr lang="en-GB" sz="2000" dirty="0"/>
-              <a:t> </a:t>
-            </a:r>
-          </a:p>
-          <a:p>
-            <a:pPr marL="0" indent="0">
-              <a:buNone/>
-            </a:pPr>
-            <a:endParaRPr lang="en-GB" sz="2000" dirty="0"/>
-          </a:p>
-          <a:p>
-            <a:pPr marL="0" indent="0">
-              <a:buNone/>
-            </a:pPr>
-            <a:r>
-              <a:rPr lang="en-GB" sz="2000" dirty="0"/>
-              <a:t>	- Anaconda Navigator installed on your computer</a:t>
-            </a:r>
-          </a:p>
-          <a:p>
-            <a:pPr marL="0" indent="0">
-              <a:buNone/>
-            </a:pPr>
-            <a:r>
-              <a:rPr lang="en-GB" sz="2000" dirty="0"/>
-              <a:t>	- From command prompt: </a:t>
-            </a:r>
-            <a:r>
-              <a:rPr lang="en-GB" sz="2000" dirty="0" err="1"/>
-              <a:t>conda</a:t>
-            </a:r>
-            <a:r>
-              <a:rPr lang="en-GB" sz="2000" dirty="0"/>
-              <a:t> install &lt;package name&gt;</a:t>
-            </a:r>
-          </a:p>
-          <a:p>
-            <a:pPr marL="0" indent="0">
-              <a:buNone/>
-            </a:pPr>
-            <a:endParaRPr lang="en-US" dirty="0"/>
+            <a:pPr marL="514350" indent="-514350">
+              <a:buAutoNum type="arabicPeriod"/>
+            </a:pPr>
+            <a:r>
+              <a:rPr lang="en-US" dirty="0"/>
+              <a:t>Using the internet to debug</a:t>
+            </a:r>
+          </a:p>
+          <a:p>
+            <a:pPr marL="514350" indent="-514350">
+              <a:buAutoNum type="arabicPeriod"/>
+            </a:pPr>
+            <a:r>
+              <a:rPr lang="en-US" dirty="0"/>
+              <a:t>Open Data &amp; Available Data</a:t>
+            </a:r>
+          </a:p>
+          <a:p>
+            <a:pPr marL="514350" indent="-514350">
+              <a:buAutoNum type="arabicPeriod"/>
+            </a:pPr>
+            <a:r>
+              <a:rPr lang="en-US" dirty="0"/>
+              <a:t>Open Source Software</a:t>
+            </a:r>
+          </a:p>
+          <a:p>
+            <a:pPr marL="514350" indent="-514350">
+              <a:buAutoNum type="arabicPeriod"/>
+            </a:pPr>
+            <a:r>
+              <a:rPr lang="en-US" dirty="0"/>
+              <a:t>Sorting Through the Noise</a:t>
+            </a:r>
           </a:p>
         </p:txBody>
       </p:sp>
@@ -5765,7 +6711,7 @@
             <a:fld id="{DB5A3A47-29A7-45E5-923E-10FF85749154}" type="slidenum">
               <a:rPr lang="en-GB" smtClean="0"/>
               <a:pPr algn="ctr"/>
-              <a:t>15</a:t>
+              <a:t>2</a:t>
             </a:fld>
             <a:endParaRPr lang="en-GB" dirty="0"/>
           </a:p>
@@ -5774,7 +6720,7 @@
     </p:spTree>
     <p:extLst>
       <p:ext uri="{BB962C8B-B14F-4D97-AF65-F5344CB8AC3E}">
-        <p14:creationId xmlns:p14="http://schemas.microsoft.com/office/powerpoint/2010/main" val="1129667038"/>
+        <p14:creationId xmlns:p14="http://schemas.microsoft.com/office/powerpoint/2010/main" val="3120363215"/>
       </p:ext>
     </p:extLst>
   </p:cSld>
@@ -5784,7 +6730,7 @@
 </p:sld>
 </file>
 
-<file path=ppt/slides/slide16.xml><?xml version="1.0" encoding="utf-8"?>
+<file path=ppt/slides/slide20.xml><?xml version="1.0" encoding="utf-8"?>
 <p:sld xmlns:a="http://schemas.openxmlformats.org/drawingml/2006/main" xmlns:r="http://schemas.openxmlformats.org/officeDocument/2006/relationships" xmlns:p="http://schemas.openxmlformats.org/presentationml/2006/main">
   <p:cSld>
     <p:spTree>
@@ -5855,15 +6801,7 @@
             </a:pPr>
             <a:r>
               <a:rPr lang="en-GB" sz="2000" dirty="0"/>
-              <a:t>4.  </a:t>
-            </a:r>
-            <a:r>
-              <a:rPr lang="en-GB" sz="2000" dirty="0" err="1"/>
-              <a:t>PyPI</a:t>
-            </a:r>
-            <a:r>
-              <a:rPr lang="en-GB" sz="2000" dirty="0"/>
-              <a:t> - the Python Package Index</a:t>
+              <a:t>1. Python Standard Library</a:t>
             </a:r>
           </a:p>
           <a:p>
@@ -5874,7 +6812,7 @@
               <a:rPr lang="en-GB" sz="2000" dirty="0">
                 <a:hlinkClick r:id="rId2"/>
               </a:rPr>
-              <a:t>https://pypi.python.org/pypi</a:t>
+              <a:t>https://docs.python.org/3/library/</a:t>
             </a:r>
             <a:r>
               <a:rPr lang="en-GB" sz="2000" dirty="0"/>
@@ -5893,28 +6831,8 @@
             </a:pPr>
             <a:r>
               <a:rPr lang="en-GB" sz="2000" dirty="0"/>
-              <a:t>	- From command prompt: pip install &lt;package name&gt;</a:t>
-            </a:r>
-          </a:p>
-          <a:p>
-            <a:pPr marL="0" indent="0">
-              <a:buNone/>
-            </a:pPr>
-            <a:endParaRPr lang="en-GB" sz="2000" dirty="0"/>
-          </a:p>
-          <a:p>
-            <a:pPr marL="0" indent="0">
-              <a:buNone/>
-            </a:pPr>
-            <a:r>
-              <a:rPr lang="en-GB" sz="2000" dirty="0"/>
-              <a:t>5. </a:t>
-            </a:r>
-            <a:r>
-              <a:rPr lang="en-GB" sz="2000" dirty="0" err="1"/>
-              <a:t>Github</a:t>
-            </a:r>
-            <a:endParaRPr lang="en-GB" sz="2000" dirty="0"/>
+              <a:t>2. Python Open Data Science Stack</a:t>
+            </a:r>
           </a:p>
           <a:p>
             <a:pPr marL="0" indent="0">
@@ -5924,7 +6842,7 @@
               <a:rPr lang="en-GB" sz="2000" dirty="0">
                 <a:hlinkClick r:id="rId3"/>
               </a:rPr>
-              <a:t>https://github.com/</a:t>
+              <a:t>http://pydata.org/downloads.html</a:t>
             </a:r>
             <a:r>
               <a:rPr lang="en-GB" sz="2000" dirty="0"/>
@@ -5943,7 +6861,22 @@
             </a:pPr>
             <a:r>
               <a:rPr lang="en-GB" sz="2000" dirty="0"/>
-              <a:t>6. Specific people or organizations you are familiar with</a:t>
+              <a:t>3. Anaconda Packages</a:t>
+            </a:r>
+          </a:p>
+          <a:p>
+            <a:pPr marL="0" indent="0">
+              <a:buNone/>
+            </a:pPr>
+            <a:r>
+              <a:rPr lang="en-GB" sz="2000" dirty="0">
+                <a:hlinkClick r:id="rId4"/>
+              </a:rPr>
+              <a:t>https://docs.continuum.io/anaconda/pkg-docs</a:t>
+            </a:r>
+            <a:r>
+              <a:rPr lang="en-GB" sz="2000" dirty="0"/>
+              <a:t> </a:t>
             </a:r>
           </a:p>
           <a:p>
@@ -5951,6 +6884,32 @@
               <a:buNone/>
             </a:pPr>
             <a:endParaRPr lang="en-GB" sz="2000" dirty="0"/>
+          </a:p>
+          <a:p>
+            <a:pPr marL="0" indent="0">
+              <a:buNone/>
+            </a:pPr>
+            <a:r>
+              <a:rPr lang="en-GB" sz="2000" dirty="0"/>
+              <a:t>	- Anaconda Navigator installed on your computer</a:t>
+            </a:r>
+          </a:p>
+          <a:p>
+            <a:pPr marL="0" indent="0">
+              <a:buNone/>
+            </a:pPr>
+            <a:r>
+              <a:rPr lang="en-GB" sz="2000" dirty="0"/>
+              <a:t>	- From command prompt: </a:t>
+            </a:r>
+            <a:r>
+              <a:rPr lang="en-GB" sz="2000" dirty="0" err="1"/>
+              <a:t>conda</a:t>
+            </a:r>
+            <a:r>
+              <a:rPr lang="en-GB" sz="2000" dirty="0"/>
+              <a:t> install &lt;package name&gt;</a:t>
+            </a:r>
           </a:p>
           <a:p>
             <a:pPr marL="0" indent="0">
@@ -5979,7 +6938,7 @@
             <a:fld id="{DB5A3A47-29A7-45E5-923E-10FF85749154}" type="slidenum">
               <a:rPr lang="en-GB" smtClean="0"/>
               <a:pPr algn="ctr"/>
-              <a:t>16</a:t>
+              <a:t>20</a:t>
             </a:fld>
             <a:endParaRPr lang="en-GB" dirty="0"/>
           </a:p>
@@ -5988,7 +6947,7 @@
     </p:spTree>
     <p:extLst>
       <p:ext uri="{BB962C8B-B14F-4D97-AF65-F5344CB8AC3E}">
-        <p14:creationId xmlns:p14="http://schemas.microsoft.com/office/powerpoint/2010/main" val="2129948168"/>
+        <p14:creationId xmlns:p14="http://schemas.microsoft.com/office/powerpoint/2010/main" val="1129667038"/>
       </p:ext>
     </p:extLst>
   </p:cSld>
@@ -5998,7 +6957,7 @@
 </p:sld>
 </file>
 
-<file path=ppt/slides/slide17.xml><?xml version="1.0" encoding="utf-8"?>
+<file path=ppt/slides/slide21.xml><?xml version="1.0" encoding="utf-8"?>
 <p:sld xmlns:a="http://schemas.openxmlformats.org/drawingml/2006/main" xmlns:r="http://schemas.openxmlformats.org/officeDocument/2006/relationships" xmlns:p="http://schemas.openxmlformats.org/presentationml/2006/main">
   <p:cSld>
     <p:spTree>
@@ -6025,49 +6984,59 @@
             <p:ph type="title"/>
           </p:nvPr>
         </p:nvSpPr>
+        <p:spPr/>
+        <p:txBody>
+          <a:bodyPr/>
+          <a:lstStyle/>
+          <a:p>
+            <a:r>
+              <a:rPr lang="en-US" dirty="0"/>
+              <a:t>Some Open-Source Software Resources</a:t>
+            </a:r>
+            <a:br>
+              <a:rPr lang="en-US" dirty="0"/>
+            </a:br>
+            <a:r>
+              <a:rPr lang="en-US" dirty="0"/>
+              <a:t>(start from the top)</a:t>
+            </a:r>
+          </a:p>
+        </p:txBody>
+      </p:sp>
+      <p:sp>
+        <p:nvSpPr>
+          <p:cNvPr id="3" name="Content Placeholder 2"/>
+          <p:cNvSpPr>
+            <a:spLocks noGrp="1"/>
+          </p:cNvSpPr>
+          <p:nvPr>
+            <p:ph idx="1"/>
+          </p:nvPr>
+        </p:nvSpPr>
         <p:spPr>
           <a:xfrm>
-            <a:off x="341530" y="593685"/>
-            <a:ext cx="8489950" cy="540730"/>
+            <a:off x="330200" y="2033845"/>
+            <a:ext cx="8489950" cy="4303455"/>
           </a:xfrm>
         </p:spPr>
         <p:txBody>
           <a:bodyPr/>
           <a:lstStyle/>
           <a:p>
-            <a:r>
-              <a:rPr lang="en-US" dirty="0"/>
-              <a:t>A few I like or use</a:t>
-            </a:r>
-          </a:p>
-        </p:txBody>
-      </p:sp>
-      <p:sp>
-        <p:nvSpPr>
-          <p:cNvPr id="3" name="Content Placeholder 2"/>
-          <p:cNvSpPr>
-            <a:spLocks noGrp="1"/>
-          </p:cNvSpPr>
-          <p:nvPr>
-            <p:ph idx="1"/>
-          </p:nvPr>
-        </p:nvSpPr>
-        <p:spPr>
-          <a:xfrm>
-            <a:off x="330200" y="1043735"/>
-            <a:ext cx="8489950" cy="5580620"/>
-          </a:xfrm>
-        </p:spPr>
-        <p:txBody>
-          <a:bodyPr/>
-          <a:lstStyle/>
-          <a:p>
             <a:pPr marL="0" indent="0">
               <a:buNone/>
             </a:pPr>
             <a:r>
               <a:rPr lang="en-GB" sz="2000" dirty="0"/>
-              <a:t>The starting point for this course: </a:t>
+              <a:t>4.  </a:t>
+            </a:r>
+            <a:r>
+              <a:rPr lang="en-GB" sz="2000" dirty="0" err="1"/>
+              <a:t>PyPI</a:t>
+            </a:r>
+            <a:r>
+              <a:rPr lang="en-GB" sz="2000" dirty="0"/>
+              <a:t> - the Python Package Index</a:t>
             </a:r>
           </a:p>
           <a:p>
@@ -6078,12 +7047,47 @@
               <a:rPr lang="en-GB" sz="2000" dirty="0">
                 <a:hlinkClick r:id="rId2"/>
               </a:rPr>
-              <a:t>https://github.com/waddell/urban-informatics-and-visualization</a:t>
+              <a:t>https://pypi.python.org/pypi</a:t>
             </a:r>
             <a:r>
               <a:rPr lang="en-GB" sz="2000" dirty="0"/>
-              <a:t>   </a:t>
-            </a:r>
+              <a:t> </a:t>
+            </a:r>
+          </a:p>
+          <a:p>
+            <a:pPr marL="0" indent="0">
+              <a:buNone/>
+            </a:pPr>
+            <a:endParaRPr lang="en-GB" sz="2000" dirty="0"/>
+          </a:p>
+          <a:p>
+            <a:pPr marL="0" indent="0">
+              <a:buNone/>
+            </a:pPr>
+            <a:r>
+              <a:rPr lang="en-GB" sz="2000" dirty="0"/>
+              <a:t>	- From command prompt: pip install &lt;package name&gt;</a:t>
+            </a:r>
+          </a:p>
+          <a:p>
+            <a:pPr marL="0" indent="0">
+              <a:buNone/>
+            </a:pPr>
+            <a:endParaRPr lang="en-GB" sz="2000" dirty="0"/>
+          </a:p>
+          <a:p>
+            <a:pPr marL="0" indent="0">
+              <a:buNone/>
+            </a:pPr>
+            <a:r>
+              <a:rPr lang="en-GB" sz="2000" dirty="0"/>
+              <a:t>5. </a:t>
+            </a:r>
+            <a:r>
+              <a:rPr lang="en-GB" sz="2000" dirty="0" err="1"/>
+              <a:t>Github</a:t>
+            </a:r>
+            <a:endParaRPr lang="en-GB" sz="2000" dirty="0"/>
           </a:p>
           <a:p>
             <a:pPr marL="0" indent="0">
@@ -6093,37 +7097,7 @@
               <a:rPr lang="en-GB" sz="2000" dirty="0">
                 <a:hlinkClick r:id="rId3"/>
               </a:rPr>
-              <a:t>https://github.com/gboeing/urban-data-science</a:t>
-            </a:r>
-            <a:r>
-              <a:rPr lang="en-GB" sz="2000" dirty="0"/>
-              <a:t>  </a:t>
-            </a:r>
-          </a:p>
-          <a:p>
-            <a:pPr marL="0" indent="0">
-              <a:buNone/>
-            </a:pPr>
-            <a:endParaRPr lang="en-GB" sz="2000" dirty="0"/>
-          </a:p>
-          <a:p>
-            <a:pPr marL="0" indent="0">
-              <a:buNone/>
-            </a:pPr>
-            <a:r>
-              <a:rPr lang="en-GB" sz="2000" dirty="0"/>
-              <a:t>Urban Data Science Toolkit</a:t>
-            </a:r>
-          </a:p>
-          <a:p>
-            <a:pPr marL="0" indent="0">
-              <a:buNone/>
-            </a:pPr>
-            <a:r>
-              <a:rPr lang="en-GB" sz="2000" dirty="0">
-                <a:hlinkClick r:id="rId4"/>
-              </a:rPr>
-              <a:t>https://github.com/UDST</a:t>
+              <a:t>https://github.com/</a:t>
             </a:r>
             <a:r>
               <a:rPr lang="en-GB" sz="2000" dirty="0"/>
@@ -6141,97 +7115,9 @@
               <a:buNone/>
             </a:pPr>
             <a:r>
-              <a:rPr lang="en-GB" sz="2000" dirty="0" err="1"/>
-              <a:t>osPlanning</a:t>
-            </a:r>
-            <a:endParaRPr lang="en-GB" sz="2000" dirty="0"/>
-          </a:p>
-          <a:p>
-            <a:pPr marL="0" indent="0">
-              <a:buNone/>
-            </a:pPr>
-            <a:r>
-              <a:rPr lang="en-GB" sz="2000" dirty="0">
-                <a:hlinkClick r:id="rId5"/>
-              </a:rPr>
-              <a:t>https://github.com/osPlanning</a:t>
-            </a:r>
-            <a:r>
               <a:rPr lang="en-GB" sz="2000" dirty="0"/>
-              <a:t> </a:t>
-            </a:r>
-          </a:p>
-          <a:p>
-            <a:pPr marL="0" indent="0">
-              <a:buNone/>
-            </a:pPr>
-            <a:endParaRPr lang="en-GB" sz="2000" dirty="0"/>
-          </a:p>
-          <a:p>
-            <a:pPr marL="0" indent="0">
-              <a:buNone/>
-            </a:pPr>
-            <a:r>
-              <a:rPr lang="en-GB" sz="2000" dirty="0"/>
-              <a:t>Metropolitan Transportation Commission (MTC)</a:t>
-            </a:r>
-          </a:p>
-          <a:p>
-            <a:pPr marL="0" indent="0">
-              <a:buNone/>
-            </a:pPr>
-            <a:r>
-              <a:rPr lang="en-GB" sz="2000" dirty="0">
-                <a:hlinkClick r:id="rId6"/>
-              </a:rPr>
-              <a:t>https://github.com/MetropolitanTransportationCommission</a:t>
-            </a:r>
-            <a:r>
-              <a:rPr lang="en-GB" sz="2000" dirty="0"/>
-              <a:t> </a:t>
-            </a:r>
-          </a:p>
-          <a:p>
-            <a:pPr marL="0" indent="0">
-              <a:buNone/>
-            </a:pPr>
-            <a:endParaRPr lang="en-GB" sz="2000" dirty="0"/>
-          </a:p>
-          <a:p>
-            <a:pPr marL="0" indent="0">
-              <a:buNone/>
-            </a:pPr>
-            <a:r>
-              <a:rPr lang="en-GB" sz="2000" dirty="0"/>
-              <a:t>San Francisco County Transportation Authority (SFCTA)</a:t>
-            </a:r>
-          </a:p>
-          <a:p>
-            <a:pPr marL="0" indent="0">
-              <a:buNone/>
-            </a:pPr>
-            <a:r>
-              <a:rPr lang="en-GB" sz="2000" dirty="0">
-                <a:hlinkClick r:id="rId7"/>
-              </a:rPr>
-              <a:t>https://github.com/sfcta</a:t>
-            </a:r>
-            <a:r>
-              <a:rPr lang="en-GB" sz="2000" dirty="0"/>
-              <a:t> </a:t>
-            </a:r>
-          </a:p>
-          <a:p>
-            <a:pPr marL="0" indent="0">
-              <a:buNone/>
-            </a:pPr>
-            <a:endParaRPr lang="en-GB" sz="2000" dirty="0"/>
-          </a:p>
-          <a:p>
-            <a:pPr marL="0" indent="0">
-              <a:buNone/>
-            </a:pPr>
-            <a:endParaRPr lang="en-GB" sz="2000" dirty="0"/>
+              <a:t>6. Specific people or organizations you are familiar with</a:t>
+            </a:r>
           </a:p>
           <a:p>
             <a:pPr marL="0" indent="0">
@@ -6266,7 +7152,7 @@
             <a:fld id="{DB5A3A47-29A7-45E5-923E-10FF85749154}" type="slidenum">
               <a:rPr lang="en-GB" smtClean="0"/>
               <a:pPr algn="ctr"/>
-              <a:t>17</a:t>
+              <a:t>21</a:t>
             </a:fld>
             <a:endParaRPr lang="en-GB" dirty="0"/>
           </a:p>
@@ -6275,7 +7161,7 @@
     </p:spTree>
     <p:extLst>
       <p:ext uri="{BB962C8B-B14F-4D97-AF65-F5344CB8AC3E}">
-        <p14:creationId xmlns:p14="http://schemas.microsoft.com/office/powerpoint/2010/main" val="855664951"/>
+        <p14:creationId xmlns:p14="http://schemas.microsoft.com/office/powerpoint/2010/main" val="2129948168"/>
       </p:ext>
     </p:extLst>
   </p:cSld>
@@ -6285,7 +7171,7 @@
 </p:sld>
 </file>
 
-<file path=ppt/slides/slide18.xml><?xml version="1.0" encoding="utf-8"?>
+<file path=ppt/slides/slide22.xml><?xml version="1.0" encoding="utf-8"?>
 <p:sld xmlns:a="http://schemas.openxmlformats.org/drawingml/2006/main" xmlns:r="http://schemas.openxmlformats.org/officeDocument/2006/relationships" xmlns:p="http://schemas.openxmlformats.org/presentationml/2006/main">
   <p:cSld>
     <p:spTree>
@@ -6312,6 +7198,293 @@
             <p:ph type="title"/>
           </p:nvPr>
         </p:nvSpPr>
+        <p:spPr>
+          <a:xfrm>
+            <a:off x="341530" y="593685"/>
+            <a:ext cx="8489950" cy="540730"/>
+          </a:xfrm>
+        </p:spPr>
+        <p:txBody>
+          <a:bodyPr/>
+          <a:lstStyle/>
+          <a:p>
+            <a:r>
+              <a:rPr lang="en-US" dirty="0"/>
+              <a:t>A few I like or use</a:t>
+            </a:r>
+          </a:p>
+        </p:txBody>
+      </p:sp>
+      <p:sp>
+        <p:nvSpPr>
+          <p:cNvPr id="3" name="Content Placeholder 2"/>
+          <p:cNvSpPr>
+            <a:spLocks noGrp="1"/>
+          </p:cNvSpPr>
+          <p:nvPr>
+            <p:ph idx="1"/>
+          </p:nvPr>
+        </p:nvSpPr>
+        <p:spPr>
+          <a:xfrm>
+            <a:off x="330200" y="1043735"/>
+            <a:ext cx="8489950" cy="5580620"/>
+          </a:xfrm>
+        </p:spPr>
+        <p:txBody>
+          <a:bodyPr/>
+          <a:lstStyle/>
+          <a:p>
+            <a:pPr marL="0" indent="0">
+              <a:buNone/>
+            </a:pPr>
+            <a:r>
+              <a:rPr lang="en-GB" sz="2000" dirty="0"/>
+              <a:t>The starting point for this course: </a:t>
+            </a:r>
+          </a:p>
+          <a:p>
+            <a:pPr marL="0" indent="0">
+              <a:buNone/>
+            </a:pPr>
+            <a:r>
+              <a:rPr lang="en-GB" sz="2000" dirty="0">
+                <a:hlinkClick r:id="rId2"/>
+              </a:rPr>
+              <a:t>https://github.com/waddell/urban-informatics-and-visualization</a:t>
+            </a:r>
+            <a:r>
+              <a:rPr lang="en-GB" sz="2000" dirty="0"/>
+              <a:t>   </a:t>
+            </a:r>
+          </a:p>
+          <a:p>
+            <a:pPr marL="0" indent="0">
+              <a:buNone/>
+            </a:pPr>
+            <a:r>
+              <a:rPr lang="en-GB" sz="2000" dirty="0">
+                <a:hlinkClick r:id="rId3"/>
+              </a:rPr>
+              <a:t>https://github.com/gboeing/urban-data-science</a:t>
+            </a:r>
+            <a:r>
+              <a:rPr lang="en-GB" sz="2000" dirty="0"/>
+              <a:t>  </a:t>
+            </a:r>
+          </a:p>
+          <a:p>
+            <a:pPr marL="0" indent="0">
+              <a:buNone/>
+            </a:pPr>
+            <a:endParaRPr lang="en-GB" sz="2000" dirty="0"/>
+          </a:p>
+          <a:p>
+            <a:pPr marL="0" indent="0">
+              <a:buNone/>
+            </a:pPr>
+            <a:r>
+              <a:rPr lang="en-GB" sz="2000" dirty="0"/>
+              <a:t>Urban Data Science Toolkit</a:t>
+            </a:r>
+          </a:p>
+          <a:p>
+            <a:pPr marL="0" indent="0">
+              <a:buNone/>
+            </a:pPr>
+            <a:r>
+              <a:rPr lang="en-GB" sz="2000" dirty="0">
+                <a:hlinkClick r:id="rId4"/>
+              </a:rPr>
+              <a:t>https://github.com/UDST</a:t>
+            </a:r>
+            <a:r>
+              <a:rPr lang="en-GB" sz="2000" dirty="0"/>
+              <a:t> </a:t>
+            </a:r>
+          </a:p>
+          <a:p>
+            <a:pPr marL="0" indent="0">
+              <a:buNone/>
+            </a:pPr>
+            <a:endParaRPr lang="en-GB" sz="2000" dirty="0"/>
+          </a:p>
+          <a:p>
+            <a:pPr marL="0" indent="0">
+              <a:buNone/>
+            </a:pPr>
+            <a:r>
+              <a:rPr lang="en-GB" sz="2000" dirty="0" err="1"/>
+              <a:t>osPlanning</a:t>
+            </a:r>
+            <a:endParaRPr lang="en-GB" sz="2000" dirty="0"/>
+          </a:p>
+          <a:p>
+            <a:pPr marL="0" indent="0">
+              <a:buNone/>
+            </a:pPr>
+            <a:r>
+              <a:rPr lang="en-GB" sz="2000" dirty="0">
+                <a:hlinkClick r:id="rId5"/>
+              </a:rPr>
+              <a:t>https://github.com/osPlanning</a:t>
+            </a:r>
+            <a:r>
+              <a:rPr lang="en-GB" sz="2000" dirty="0"/>
+              <a:t> </a:t>
+            </a:r>
+          </a:p>
+          <a:p>
+            <a:pPr marL="0" indent="0">
+              <a:buNone/>
+            </a:pPr>
+            <a:endParaRPr lang="en-GB" sz="2000" dirty="0"/>
+          </a:p>
+          <a:p>
+            <a:pPr marL="0" indent="0">
+              <a:buNone/>
+            </a:pPr>
+            <a:r>
+              <a:rPr lang="en-GB" sz="2000" dirty="0"/>
+              <a:t>Metropolitan Transportation Commission (MTC)</a:t>
+            </a:r>
+          </a:p>
+          <a:p>
+            <a:pPr marL="0" indent="0">
+              <a:buNone/>
+            </a:pPr>
+            <a:r>
+              <a:rPr lang="en-GB" sz="2000" dirty="0">
+                <a:hlinkClick r:id="rId6"/>
+              </a:rPr>
+              <a:t>https://github.com/MetropolitanTransportationCommission</a:t>
+            </a:r>
+            <a:r>
+              <a:rPr lang="en-GB" sz="2000" dirty="0"/>
+              <a:t> </a:t>
+            </a:r>
+          </a:p>
+          <a:p>
+            <a:pPr marL="0" indent="0">
+              <a:buNone/>
+            </a:pPr>
+            <a:endParaRPr lang="en-GB" sz="2000" dirty="0"/>
+          </a:p>
+          <a:p>
+            <a:pPr marL="0" indent="0">
+              <a:buNone/>
+            </a:pPr>
+            <a:r>
+              <a:rPr lang="en-GB" sz="2000" dirty="0"/>
+              <a:t>San Francisco County Transportation Authority (SFCTA)</a:t>
+            </a:r>
+          </a:p>
+          <a:p>
+            <a:pPr marL="0" indent="0">
+              <a:buNone/>
+            </a:pPr>
+            <a:r>
+              <a:rPr lang="en-GB" sz="2000" dirty="0">
+                <a:hlinkClick r:id="rId7"/>
+              </a:rPr>
+              <a:t>https://github.com/sfcta</a:t>
+            </a:r>
+            <a:r>
+              <a:rPr lang="en-GB" sz="2000" dirty="0"/>
+              <a:t> </a:t>
+            </a:r>
+          </a:p>
+          <a:p>
+            <a:pPr marL="0" indent="0">
+              <a:buNone/>
+            </a:pPr>
+            <a:endParaRPr lang="en-GB" sz="2000" dirty="0"/>
+          </a:p>
+          <a:p>
+            <a:pPr marL="0" indent="0">
+              <a:buNone/>
+            </a:pPr>
+            <a:endParaRPr lang="en-GB" sz="2000" dirty="0"/>
+          </a:p>
+          <a:p>
+            <a:pPr marL="0" indent="0">
+              <a:buNone/>
+            </a:pPr>
+            <a:endParaRPr lang="en-GB" sz="2000" dirty="0"/>
+          </a:p>
+          <a:p>
+            <a:pPr marL="0" indent="0">
+              <a:buNone/>
+            </a:pPr>
+            <a:endParaRPr lang="en-US" dirty="0"/>
+          </a:p>
+        </p:txBody>
+      </p:sp>
+      <p:sp>
+        <p:nvSpPr>
+          <p:cNvPr id="4" name="Slide Number Placeholder 3"/>
+          <p:cNvSpPr>
+            <a:spLocks noGrp="1"/>
+          </p:cNvSpPr>
+          <p:nvPr>
+            <p:ph type="sldNum" sz="quarter" idx="10"/>
+          </p:nvPr>
+        </p:nvSpPr>
+        <p:spPr/>
+        <p:txBody>
+          <a:bodyPr/>
+          <a:lstStyle/>
+          <a:p>
+            <a:pPr algn="ctr"/>
+            <a:fld id="{DB5A3A47-29A7-45E5-923E-10FF85749154}" type="slidenum">
+              <a:rPr lang="en-GB" smtClean="0"/>
+              <a:pPr algn="ctr"/>
+              <a:t>22</a:t>
+            </a:fld>
+            <a:endParaRPr lang="en-GB" dirty="0"/>
+          </a:p>
+        </p:txBody>
+      </p:sp>
+    </p:spTree>
+    <p:extLst>
+      <p:ext uri="{BB962C8B-B14F-4D97-AF65-F5344CB8AC3E}">
+        <p14:creationId xmlns:p14="http://schemas.microsoft.com/office/powerpoint/2010/main" val="855664951"/>
+      </p:ext>
+    </p:extLst>
+  </p:cSld>
+  <p:clrMapOvr>
+    <a:masterClrMapping/>
+  </p:clrMapOvr>
+</p:sld>
+</file>
+
+<file path=ppt/slides/slide23.xml><?xml version="1.0" encoding="utf-8"?>
+<p:sld xmlns:a="http://schemas.openxmlformats.org/drawingml/2006/main" xmlns:r="http://schemas.openxmlformats.org/officeDocument/2006/relationships" xmlns:p="http://schemas.openxmlformats.org/presentationml/2006/main">
+  <p:cSld>
+    <p:spTree>
+      <p:nvGrpSpPr>
+        <p:cNvPr id="1" name=""/>
+        <p:cNvGrpSpPr/>
+        <p:nvPr/>
+      </p:nvGrpSpPr>
+      <p:grpSpPr>
+        <a:xfrm>
+          <a:off x="0" y="0"/>
+          <a:ext cx="0" cy="0"/>
+          <a:chOff x="0" y="0"/>
+          <a:chExt cx="0" cy="0"/>
+        </a:xfrm>
+      </p:grpSpPr>
+      <p:sp>
+        <p:nvSpPr>
+          <p:cNvPr id="2" name="Title 1"/>
+          <p:cNvSpPr>
+            <a:spLocks noGrp="1"/>
+          </p:cNvSpPr>
+          <p:nvPr>
+            <p:ph type="title"/>
+          </p:nvPr>
+        </p:nvSpPr>
         <p:spPr/>
         <p:txBody>
           <a:bodyPr/>
@@ -6455,7 +7628,7 @@
             <a:fld id="{DB5A3A47-29A7-45E5-923E-10FF85749154}" type="slidenum">
               <a:rPr lang="en-GB" smtClean="0"/>
               <a:pPr algn="ctr"/>
-              <a:t>18</a:t>
+              <a:t>23</a:t>
             </a:fld>
             <a:endParaRPr lang="en-GB" dirty="0"/>
           </a:p>
@@ -6749,7 +7922,7 @@
 </p:sld>
 </file>
 
-<file path=ppt/slides/slide19.xml><?xml version="1.0" encoding="utf-8"?>
+<file path=ppt/slides/slide24.xml><?xml version="1.0" encoding="utf-8"?>
 <p:sld xmlns:a="http://schemas.openxmlformats.org/drawingml/2006/main" xmlns:r="http://schemas.openxmlformats.org/officeDocument/2006/relationships" xmlns:p="http://schemas.openxmlformats.org/presentationml/2006/main">
   <p:cSld>
     <p:spTree>
@@ -6872,7 +8045,7 @@
             <a:fld id="{DB5A3A47-29A7-45E5-923E-10FF85749154}" type="slidenum">
               <a:rPr lang="en-GB" smtClean="0"/>
               <a:pPr algn="ctr"/>
-              <a:t>19</a:t>
+              <a:t>24</a:t>
             </a:fld>
             <a:endParaRPr lang="en-GB" dirty="0"/>
           </a:p>
@@ -7197,7 +8370,7 @@
 </p:sld>
 </file>
 
-<file path=ppt/slides/slide2.xml><?xml version="1.0" encoding="utf-8"?>
+<file path=ppt/slides/slide25.xml><?xml version="1.0" encoding="utf-8"?>
 <p:sld xmlns:a="http://schemas.openxmlformats.org/drawingml/2006/main" xmlns:r="http://schemas.openxmlformats.org/officeDocument/2006/relationships" xmlns:p="http://schemas.openxmlformats.org/presentationml/2006/main">
   <p:cSld>
     <p:spTree>
@@ -7231,7 +8404,7 @@
           <a:p>
             <a:r>
               <a:rPr lang="en-US" dirty="0"/>
-              <a:t>Today’s Topics</a:t>
+              <a:t>Sorting through the noise…</a:t>
             </a:r>
           </a:p>
         </p:txBody>
@@ -7251,30 +8424,50 @@
           <a:bodyPr/>
           <a:lstStyle/>
           <a:p>
-            <a:pPr marL="514350" indent="-514350">
-              <a:buAutoNum type="arabicPeriod"/>
-            </a:pPr>
-            <a:r>
-              <a:rPr lang="en-US" dirty="0"/>
-              <a:t>Open Data &amp; Available Data</a:t>
-            </a:r>
-          </a:p>
-          <a:p>
-            <a:pPr marL="514350" indent="-514350">
-              <a:buAutoNum type="arabicPeriod"/>
-            </a:pPr>
-            <a:r>
-              <a:rPr lang="en-US" dirty="0"/>
-              <a:t>Open Source Software</a:t>
-            </a:r>
-          </a:p>
-          <a:p>
-            <a:pPr marL="514350" indent="-514350">
-              <a:buAutoNum type="arabicPeriod"/>
-            </a:pPr>
-            <a:r>
-              <a:rPr lang="en-US" dirty="0"/>
-              <a:t>Sorting Through the Noise</a:t>
+            <a:pPr marL="0" indent="0">
+              <a:buNone/>
+            </a:pPr>
+            <a:r>
+              <a:rPr lang="en-US" b="1" dirty="0"/>
+              <a:t>2. Verification and Validation</a:t>
+            </a:r>
+          </a:p>
+          <a:p>
+            <a:pPr marL="0" indent="0">
+              <a:buNone/>
+            </a:pPr>
+            <a:endParaRPr lang="en-US" b="1" dirty="0"/>
+          </a:p>
+          <a:p>
+            <a:pPr marL="0" indent="0">
+              <a:buNone/>
+            </a:pPr>
+            <a:r>
+              <a:rPr lang="en-US" b="1" dirty="0"/>
+              <a:t>Verification: </a:t>
+            </a:r>
+            <a:r>
+              <a:rPr lang="en-US" dirty="0"/>
+              <a:t>Check that the software/data does what it says it does </a:t>
+            </a:r>
+          </a:p>
+          <a:p>
+            <a:pPr marL="0" indent="0">
+              <a:buNone/>
+            </a:pPr>
+            <a:endParaRPr lang="en-US" b="1" dirty="0"/>
+          </a:p>
+          <a:p>
+            <a:pPr marL="0" indent="0">
+              <a:buNone/>
+            </a:pPr>
+            <a:r>
+              <a:rPr lang="en-US" b="1" dirty="0"/>
+              <a:t>Validation: </a:t>
+            </a:r>
+            <a:r>
+              <a:rPr lang="en-US" dirty="0"/>
+              <a:t>Check against an independent data source</a:t>
             </a:r>
           </a:p>
         </p:txBody>
@@ -7298,147 +8491,7 @@
             <a:fld id="{DB5A3A47-29A7-45E5-923E-10FF85749154}" type="slidenum">
               <a:rPr lang="en-GB" smtClean="0"/>
               <a:pPr algn="ctr"/>
-              <a:t>2</a:t>
-            </a:fld>
-            <a:endParaRPr lang="en-GB" dirty="0"/>
-          </a:p>
-        </p:txBody>
-      </p:sp>
-    </p:spTree>
-    <p:extLst>
-      <p:ext uri="{BB962C8B-B14F-4D97-AF65-F5344CB8AC3E}">
-        <p14:creationId xmlns:p14="http://schemas.microsoft.com/office/powerpoint/2010/main" val="3120363215"/>
-      </p:ext>
-    </p:extLst>
-  </p:cSld>
-  <p:clrMapOvr>
-    <a:masterClrMapping/>
-  </p:clrMapOvr>
-</p:sld>
-</file>
-
-<file path=ppt/slides/slide20.xml><?xml version="1.0" encoding="utf-8"?>
-<p:sld xmlns:a="http://schemas.openxmlformats.org/drawingml/2006/main" xmlns:r="http://schemas.openxmlformats.org/officeDocument/2006/relationships" xmlns:p="http://schemas.openxmlformats.org/presentationml/2006/main">
-  <p:cSld>
-    <p:spTree>
-      <p:nvGrpSpPr>
-        <p:cNvPr id="1" name=""/>
-        <p:cNvGrpSpPr/>
-        <p:nvPr/>
-      </p:nvGrpSpPr>
-      <p:grpSpPr>
-        <a:xfrm>
-          <a:off x="0" y="0"/>
-          <a:ext cx="0" cy="0"/>
-          <a:chOff x="0" y="0"/>
-          <a:chExt cx="0" cy="0"/>
-        </a:xfrm>
-      </p:grpSpPr>
-      <p:sp>
-        <p:nvSpPr>
-          <p:cNvPr id="2" name="Title 1"/>
-          <p:cNvSpPr>
-            <a:spLocks noGrp="1"/>
-          </p:cNvSpPr>
-          <p:nvPr>
-            <p:ph type="title"/>
-          </p:nvPr>
-        </p:nvSpPr>
-        <p:spPr/>
-        <p:txBody>
-          <a:bodyPr/>
-          <a:lstStyle/>
-          <a:p>
-            <a:r>
-              <a:rPr lang="en-US" dirty="0"/>
-              <a:t>Sorting through the noise…</a:t>
-            </a:r>
-          </a:p>
-        </p:txBody>
-      </p:sp>
-      <p:sp>
-        <p:nvSpPr>
-          <p:cNvPr id="3" name="Content Placeholder 2"/>
-          <p:cNvSpPr>
-            <a:spLocks noGrp="1"/>
-          </p:cNvSpPr>
-          <p:nvPr>
-            <p:ph idx="1"/>
-          </p:nvPr>
-        </p:nvSpPr>
-        <p:spPr/>
-        <p:txBody>
-          <a:bodyPr/>
-          <a:lstStyle/>
-          <a:p>
-            <a:pPr marL="0" indent="0">
-              <a:buNone/>
-            </a:pPr>
-            <a:r>
-              <a:rPr lang="en-US" b="1" dirty="0"/>
-              <a:t>2. Verification and Validation</a:t>
-            </a:r>
-          </a:p>
-          <a:p>
-            <a:pPr marL="0" indent="0">
-              <a:buNone/>
-            </a:pPr>
-            <a:endParaRPr lang="en-US" b="1" dirty="0"/>
-          </a:p>
-          <a:p>
-            <a:pPr marL="0" indent="0">
-              <a:buNone/>
-            </a:pPr>
-            <a:r>
-              <a:rPr lang="en-US" b="1" dirty="0"/>
-              <a:t>Verification: </a:t>
-            </a:r>
-            <a:r>
-              <a:rPr lang="en-US" dirty="0"/>
-              <a:t>Check that the software/data does what it says it does </a:t>
-            </a:r>
-          </a:p>
-          <a:p>
-            <a:pPr marL="0" indent="0">
-              <a:buNone/>
-            </a:pPr>
-            <a:endParaRPr lang="en-US" b="1" dirty="0"/>
-          </a:p>
-          <a:p>
-            <a:pPr marL="0" indent="0">
-              <a:buNone/>
-            </a:pPr>
-            <a:r>
-              <a:rPr lang="en-US" b="1" dirty="0"/>
-              <a:t>Validation: </a:t>
-            </a:r>
-            <a:r>
-              <a:rPr lang="en-US" dirty="0"/>
-              <a:t>Check against an independent data source</a:t>
-            </a:r>
-          </a:p>
-        </p:txBody>
-      </p:sp>
-      <p:sp>
-        <p:nvSpPr>
-          <p:cNvPr id="4" name="Slide Number Placeholder 3"/>
-          <p:cNvSpPr>
-            <a:spLocks noGrp="1"/>
-          </p:cNvSpPr>
-          <p:nvPr>
-            <p:ph type="sldNum" sz="quarter" idx="10"/>
-          </p:nvPr>
-        </p:nvSpPr>
-        <p:spPr/>
-        <p:txBody>
-          <a:bodyPr/>
-          <a:lstStyle/>
-          <a:p>
-            <a:pPr algn="ctr"/>
-            <a:fld id="{DB5A3A47-29A7-45E5-923E-10FF85749154}" type="slidenum">
-              <a:rPr lang="en-GB" smtClean="0"/>
-              <a:pPr algn="ctr"/>
-              <a:t>20</a:t>
+              <a:t>25</a:t>
             </a:fld>
             <a:endParaRPr lang="en-GB" dirty="0"/>
           </a:p>
@@ -7585,7 +8638,7 @@
 </p:sld>
 </file>
 
-<file path=ppt/slides/slide21.xml><?xml version="1.0" encoding="utf-8"?>
+<file path=ppt/slides/slide26.xml><?xml version="1.0" encoding="utf-8"?>
 <p:sld xmlns:a="http://schemas.openxmlformats.org/drawingml/2006/main" xmlns:r="http://schemas.openxmlformats.org/officeDocument/2006/relationships" xmlns:p="http://schemas.openxmlformats.org/presentationml/2006/main">
   <p:cSld>
     <p:spTree>
@@ -7759,7 +8812,7 @@
             <a:fld id="{DB5A3A47-29A7-45E5-923E-10FF85749154}" type="slidenum">
               <a:rPr lang="en-GB" smtClean="0"/>
               <a:pPr algn="ctr"/>
-              <a:t>21</a:t>
+              <a:t>26</a:t>
             </a:fld>
             <a:endParaRPr lang="en-GB" dirty="0"/>
           </a:p>
@@ -7950,7 +9003,7 @@
 </p:sld>
 </file>
 
-<file path=ppt/slides/slide22.xml><?xml version="1.0" encoding="utf-8"?>
+<file path=ppt/slides/slide27.xml><?xml version="1.0" encoding="utf-8"?>
 <p:sld xmlns:a="http://schemas.openxmlformats.org/drawingml/2006/main" xmlns:r="http://schemas.openxmlformats.org/officeDocument/2006/relationships" xmlns:p="http://schemas.openxmlformats.org/presentationml/2006/main">
   <p:cSld>
     <p:spTree>
@@ -8099,7 +9152,7 @@
             <a:fld id="{DB5A3A47-29A7-45E5-923E-10FF85749154}" type="slidenum">
               <a:rPr lang="en-GB" smtClean="0"/>
               <a:pPr algn="ctr"/>
-              <a:t>22</a:t>
+              <a:t>27</a:t>
             </a:fld>
             <a:endParaRPr lang="en-GB" dirty="0"/>
           </a:p>
@@ -8165,7 +9218,7 @@
 </p:sld>
 </file>
 
-<file path=ppt/slides/slide23.xml><?xml version="1.0" encoding="utf-8"?>
+<file path=ppt/slides/slide28.xml><?xml version="1.0" encoding="utf-8"?>
 <p:sld xmlns:a="http://schemas.openxmlformats.org/drawingml/2006/main" xmlns:r="http://schemas.openxmlformats.org/officeDocument/2006/relationships" xmlns:p="http://schemas.openxmlformats.org/presentationml/2006/main">
   <p:cSld>
     <p:spTree>
@@ -8252,7 +9305,7 @@
             <a:fld id="{DB5A3A47-29A7-45E5-923E-10FF85749154}" type="slidenum">
               <a:rPr lang="en-GB" smtClean="0"/>
               <a:pPr algn="ctr"/>
-              <a:t>23</a:t>
+              <a:t>28</a:t>
             </a:fld>
             <a:endParaRPr lang="en-GB" dirty="0"/>
           </a:p>
@@ -8427,7 +9480,7 @@
 </p:sld>
 </file>
 
-<file path=ppt/slides/slide24.xml><?xml version="1.0" encoding="utf-8"?>
+<file path=ppt/slides/slide29.xml><?xml version="1.0" encoding="utf-8"?>
 <p:sld xmlns:a="http://schemas.openxmlformats.org/drawingml/2006/main" xmlns:r="http://schemas.openxmlformats.org/officeDocument/2006/relationships" xmlns:p="http://schemas.openxmlformats.org/presentationml/2006/main">
   <p:cSld>
     <p:spTree>
@@ -8511,7 +9564,7 @@
             <a:fld id="{DB5A3A47-29A7-45E5-923E-10FF85749154}" type="slidenum">
               <a:rPr lang="en-GB" smtClean="0"/>
               <a:pPr algn="ctr"/>
-              <a:t>24</a:t>
+              <a:t>29</a:t>
             </a:fld>
             <a:endParaRPr lang="en-GB" dirty="0"/>
           </a:p>
@@ -8688,7 +9741,13 @@
       </p:grpSpPr>
       <p:sp>
         <p:nvSpPr>
-          <p:cNvPr id="2" name="Title 1"/>
+          <p:cNvPr id="2" name="Title 1">
+            <a:extLst>
+              <a:ext uri="{FF2B5EF4-FFF2-40B4-BE49-F238E27FC236}">
+                <a16:creationId xmlns:a16="http://schemas.microsoft.com/office/drawing/2014/main" id="{8AF2A68D-2F9A-411B-B9E4-166DDD46C7E4}"/>
+              </a:ext>
+            </a:extLst>
+          </p:cNvPr>
           <p:cNvSpPr>
             <a:spLocks noGrp="1"/>
           </p:cNvSpPr>
@@ -8703,14 +9762,20 @@
           <a:p>
             <a:r>
               <a:rPr lang="en-US" dirty="0"/>
-              <a:t>Open Data</a:t>
-            </a:r>
-          </a:p>
-        </p:txBody>
-      </p:sp>
-      <p:sp>
-        <p:nvSpPr>
-          <p:cNvPr id="3" name="Content Placeholder 2"/>
+              <a:t>Debugging</a:t>
+            </a:r>
+          </a:p>
+        </p:txBody>
+      </p:sp>
+      <p:sp>
+        <p:nvSpPr>
+          <p:cNvPr id="3" name="Content Placeholder 2">
+            <a:extLst>
+              <a:ext uri="{FF2B5EF4-FFF2-40B4-BE49-F238E27FC236}">
+                <a16:creationId xmlns:a16="http://schemas.microsoft.com/office/drawing/2014/main" id="{B4935E13-2C54-46AD-A1FF-8351414EEBF3}"/>
+              </a:ext>
+            </a:extLst>
+          </p:cNvPr>
           <p:cNvSpPr>
             <a:spLocks noGrp="1"/>
           </p:cNvSpPr>
@@ -8726,6 +9791,15 @@
             <a:pPr marL="0" indent="0">
               <a:buNone/>
             </a:pPr>
+            <a:r>
+              <a:rPr lang="en-GB" b="1" dirty="0"/>
+              <a:t>How to debug small programs</a:t>
+            </a:r>
+          </a:p>
+          <a:p>
+            <a:pPr marL="0" indent="0">
+              <a:buNone/>
+            </a:pPr>
             <a:endParaRPr lang="en-US" dirty="0"/>
           </a:p>
           <a:p>
@@ -8733,38 +9807,13 @@
               <a:buNone/>
             </a:pPr>
             <a:r>
-              <a:rPr lang="en-GB" i="1" dirty="0"/>
-              <a:t>Open data is data that can be freely used, re-used and redistributed by anyone - subject only, at most, to the requirement to attribute and </a:t>
-            </a:r>
-            <a:r>
-              <a:rPr lang="en-GB" i="1" dirty="0" err="1"/>
-              <a:t>sharealike</a:t>
-            </a:r>
-            <a:r>
-              <a:rPr lang="en-GB" i="1" dirty="0"/>
-              <a:t>.</a:t>
-            </a:r>
-            <a:r>
-              <a:rPr lang="en-GB" sz="1600" i="1" dirty="0"/>
-              <a:t>	</a:t>
-            </a:r>
-          </a:p>
-          <a:p>
-            <a:pPr marL="0" indent="0">
-              <a:buNone/>
-            </a:pPr>
-            <a:r>
-              <a:rPr lang="en-GB" sz="1600" i="1" dirty="0"/>
-              <a:t>-- Open Data Handbook: </a:t>
-            </a:r>
-            <a:r>
-              <a:rPr lang="en-US" sz="1600" dirty="0">
+              <a:rPr lang="en-US" dirty="0">
                 <a:hlinkClick r:id="rId2"/>
               </a:rPr>
-              <a:t>http://opendatahandbook.org/guide/en/what-is-open-data/</a:t>
-            </a:r>
-            <a:r>
-              <a:rPr lang="en-US" sz="1600" dirty="0"/>
+              <a:t>https://ericlippert.com/2014/03/05/how-to-debug-small-programs/</a:t>
+            </a:r>
+            <a:r>
+              <a:rPr lang="en-US" dirty="0"/>
               <a:t> </a:t>
             </a:r>
           </a:p>
@@ -8772,19 +9821,28 @@
             <a:pPr marL="0" indent="0">
               <a:buNone/>
             </a:pPr>
-            <a:endParaRPr lang="en-US" sz="1600" dirty="0"/>
-          </a:p>
-          <a:p>
-            <a:pPr marL="0" indent="0">
-              <a:buNone/>
-            </a:pPr>
-            <a:endParaRPr lang="en-US" sz="1600" dirty="0"/>
-          </a:p>
-        </p:txBody>
-      </p:sp>
-      <p:sp>
-        <p:nvSpPr>
-          <p:cNvPr id="4" name="Slide Number Placeholder 3"/>
+            <a:endParaRPr lang="en-US" dirty="0"/>
+          </a:p>
+          <a:p>
+            <a:pPr marL="0" indent="0">
+              <a:buNone/>
+            </a:pPr>
+            <a:r>
+              <a:rPr lang="en-US" dirty="0"/>
+              <a:t>Use Rubber Duck Debugging!</a:t>
+            </a:r>
+          </a:p>
+        </p:txBody>
+      </p:sp>
+      <p:sp>
+        <p:nvSpPr>
+          <p:cNvPr id="4" name="Slide Number Placeholder 3">
+            <a:extLst>
+              <a:ext uri="{FF2B5EF4-FFF2-40B4-BE49-F238E27FC236}">
+                <a16:creationId xmlns:a16="http://schemas.microsoft.com/office/drawing/2014/main" id="{A37F7E92-CA39-4BDE-B966-A577119A22D2}"/>
+              </a:ext>
+            </a:extLst>
+          </p:cNvPr>
           <p:cNvSpPr>
             <a:spLocks noGrp="1"/>
           </p:cNvSpPr>
@@ -8802,6 +9860,952 @@
               <a:rPr lang="en-GB" smtClean="0"/>
               <a:pPr algn="ctr"/>
               <a:t>3</a:t>
+            </a:fld>
+            <a:endParaRPr lang="en-GB" dirty="0"/>
+          </a:p>
+        </p:txBody>
+      </p:sp>
+    </p:spTree>
+    <p:extLst>
+      <p:ext uri="{BB962C8B-B14F-4D97-AF65-F5344CB8AC3E}">
+        <p14:creationId xmlns:p14="http://schemas.microsoft.com/office/powerpoint/2010/main" val="1931337107"/>
+      </p:ext>
+    </p:extLst>
+  </p:cSld>
+  <p:clrMapOvr>
+    <a:masterClrMapping/>
+  </p:clrMapOvr>
+</p:sld>
+</file>
+
+<file path=ppt/slides/slide4.xml><?xml version="1.0" encoding="utf-8"?>
+<p:sld xmlns:a="http://schemas.openxmlformats.org/drawingml/2006/main" xmlns:r="http://schemas.openxmlformats.org/officeDocument/2006/relationships" xmlns:p="http://schemas.openxmlformats.org/presentationml/2006/main">
+  <p:cSld>
+    <p:spTree>
+      <p:nvGrpSpPr>
+        <p:cNvPr id="1" name=""/>
+        <p:cNvGrpSpPr/>
+        <p:nvPr/>
+      </p:nvGrpSpPr>
+      <p:grpSpPr>
+        <a:xfrm>
+          <a:off x="0" y="0"/>
+          <a:ext cx="0" cy="0"/>
+          <a:chOff x="0" y="0"/>
+          <a:chExt cx="0" cy="0"/>
+        </a:xfrm>
+      </p:grpSpPr>
+      <p:sp>
+        <p:nvSpPr>
+          <p:cNvPr id="2" name="Title 1">
+            <a:extLst>
+              <a:ext uri="{FF2B5EF4-FFF2-40B4-BE49-F238E27FC236}">
+                <a16:creationId xmlns:a16="http://schemas.microsoft.com/office/drawing/2014/main" id="{8AF2A68D-2F9A-411B-B9E4-166DDD46C7E4}"/>
+              </a:ext>
+            </a:extLst>
+          </p:cNvPr>
+          <p:cNvSpPr>
+            <a:spLocks noGrp="1"/>
+          </p:cNvSpPr>
+          <p:nvPr>
+            <p:ph type="title"/>
+          </p:nvPr>
+        </p:nvSpPr>
+        <p:spPr/>
+        <p:txBody>
+          <a:bodyPr/>
+          <a:lstStyle/>
+          <a:p>
+            <a:r>
+              <a:rPr lang="en-US" dirty="0"/>
+              <a:t>Debugging</a:t>
+            </a:r>
+          </a:p>
+        </p:txBody>
+      </p:sp>
+      <p:sp>
+        <p:nvSpPr>
+          <p:cNvPr id="3" name="Content Placeholder 2">
+            <a:extLst>
+              <a:ext uri="{FF2B5EF4-FFF2-40B4-BE49-F238E27FC236}">
+                <a16:creationId xmlns:a16="http://schemas.microsoft.com/office/drawing/2014/main" id="{B4935E13-2C54-46AD-A1FF-8351414EEBF3}"/>
+              </a:ext>
+            </a:extLst>
+          </p:cNvPr>
+          <p:cNvSpPr>
+            <a:spLocks noGrp="1"/>
+          </p:cNvSpPr>
+          <p:nvPr>
+            <p:ph idx="1"/>
+          </p:nvPr>
+        </p:nvSpPr>
+        <p:spPr/>
+        <p:txBody>
+          <a:bodyPr/>
+          <a:lstStyle/>
+          <a:p>
+            <a:pPr marL="0" indent="0">
+              <a:buNone/>
+            </a:pPr>
+            <a:r>
+              <a:rPr lang="en-GB" b="1" dirty="0"/>
+              <a:t>How to ask for help</a:t>
+            </a:r>
+          </a:p>
+          <a:p>
+            <a:pPr marL="0" indent="0">
+              <a:buNone/>
+            </a:pPr>
+            <a:endParaRPr lang="en-US" dirty="0"/>
+          </a:p>
+          <a:p>
+            <a:pPr marL="0" indent="0">
+              <a:buNone/>
+            </a:pPr>
+            <a:r>
+              <a:rPr lang="en-US" dirty="0">
+                <a:hlinkClick r:id="rId2"/>
+              </a:rPr>
+              <a:t>https://stackoverflow.com/help/mcve</a:t>
+            </a:r>
+            <a:r>
+              <a:rPr lang="en-US" dirty="0"/>
+              <a:t> </a:t>
+            </a:r>
+          </a:p>
+          <a:p>
+            <a:pPr marL="0" indent="0">
+              <a:buNone/>
+            </a:pPr>
+            <a:endParaRPr lang="en-US" dirty="0"/>
+          </a:p>
+          <a:p>
+            <a:pPr marL="0" indent="0">
+              <a:buNone/>
+            </a:pPr>
+            <a:r>
+              <a:rPr lang="en-GB" dirty="0"/>
+              <a:t>Create a Minimal, Complete, and Verifiable example!</a:t>
+            </a:r>
+          </a:p>
+          <a:p>
+            <a:pPr marL="0" indent="0">
+              <a:buNone/>
+            </a:pPr>
+            <a:endParaRPr lang="en-US" dirty="0"/>
+          </a:p>
+        </p:txBody>
+      </p:sp>
+      <p:sp>
+        <p:nvSpPr>
+          <p:cNvPr id="4" name="Slide Number Placeholder 3">
+            <a:extLst>
+              <a:ext uri="{FF2B5EF4-FFF2-40B4-BE49-F238E27FC236}">
+                <a16:creationId xmlns:a16="http://schemas.microsoft.com/office/drawing/2014/main" id="{A37F7E92-CA39-4BDE-B966-A577119A22D2}"/>
+              </a:ext>
+            </a:extLst>
+          </p:cNvPr>
+          <p:cNvSpPr>
+            <a:spLocks noGrp="1"/>
+          </p:cNvSpPr>
+          <p:nvPr>
+            <p:ph type="sldNum" sz="quarter" idx="10"/>
+          </p:nvPr>
+        </p:nvSpPr>
+        <p:spPr/>
+        <p:txBody>
+          <a:bodyPr/>
+          <a:lstStyle/>
+          <a:p>
+            <a:pPr algn="ctr"/>
+            <a:fld id="{DB5A3A47-29A7-45E5-923E-10FF85749154}" type="slidenum">
+              <a:rPr lang="en-GB" smtClean="0"/>
+              <a:pPr algn="ctr"/>
+              <a:t>4</a:t>
+            </a:fld>
+            <a:endParaRPr lang="en-GB" dirty="0"/>
+          </a:p>
+        </p:txBody>
+      </p:sp>
+    </p:spTree>
+    <p:extLst>
+      <p:ext uri="{BB962C8B-B14F-4D97-AF65-F5344CB8AC3E}">
+        <p14:creationId xmlns:p14="http://schemas.microsoft.com/office/powerpoint/2010/main" val="2711778574"/>
+      </p:ext>
+    </p:extLst>
+  </p:cSld>
+  <p:clrMapOvr>
+    <a:masterClrMapping/>
+  </p:clrMapOvr>
+</p:sld>
+</file>
+
+<file path=ppt/slides/slide5.xml><?xml version="1.0" encoding="utf-8"?>
+<p:sld xmlns:a="http://schemas.openxmlformats.org/drawingml/2006/main" xmlns:r="http://schemas.openxmlformats.org/officeDocument/2006/relationships" xmlns:p="http://schemas.openxmlformats.org/presentationml/2006/main">
+  <p:cSld>
+    <p:spTree>
+      <p:nvGrpSpPr>
+        <p:cNvPr id="1" name=""/>
+        <p:cNvGrpSpPr/>
+        <p:nvPr/>
+      </p:nvGrpSpPr>
+      <p:grpSpPr>
+        <a:xfrm>
+          <a:off x="0" y="0"/>
+          <a:ext cx="0" cy="0"/>
+          <a:chOff x="0" y="0"/>
+          <a:chExt cx="0" cy="0"/>
+        </a:xfrm>
+      </p:grpSpPr>
+      <p:sp>
+        <p:nvSpPr>
+          <p:cNvPr id="2" name="Title 1">
+            <a:extLst>
+              <a:ext uri="{FF2B5EF4-FFF2-40B4-BE49-F238E27FC236}">
+                <a16:creationId xmlns:a16="http://schemas.microsoft.com/office/drawing/2014/main" id="{8AF2A68D-2F9A-411B-B9E4-166DDD46C7E4}"/>
+              </a:ext>
+            </a:extLst>
+          </p:cNvPr>
+          <p:cNvSpPr>
+            <a:spLocks noGrp="1"/>
+          </p:cNvSpPr>
+          <p:nvPr>
+            <p:ph type="title"/>
+          </p:nvPr>
+        </p:nvSpPr>
+        <p:spPr/>
+        <p:txBody>
+          <a:bodyPr/>
+          <a:lstStyle/>
+          <a:p>
+            <a:r>
+              <a:rPr lang="en-US" dirty="0"/>
+              <a:t>Debugging</a:t>
+            </a:r>
+          </a:p>
+        </p:txBody>
+      </p:sp>
+      <p:sp>
+        <p:nvSpPr>
+          <p:cNvPr id="3" name="Content Placeholder 2">
+            <a:extLst>
+              <a:ext uri="{FF2B5EF4-FFF2-40B4-BE49-F238E27FC236}">
+                <a16:creationId xmlns:a16="http://schemas.microsoft.com/office/drawing/2014/main" id="{B4935E13-2C54-46AD-A1FF-8351414EEBF3}"/>
+              </a:ext>
+            </a:extLst>
+          </p:cNvPr>
+          <p:cNvSpPr>
+            <a:spLocks noGrp="1"/>
+          </p:cNvSpPr>
+          <p:nvPr>
+            <p:ph idx="1"/>
+          </p:nvPr>
+        </p:nvSpPr>
+        <p:spPr/>
+        <p:txBody>
+          <a:bodyPr/>
+          <a:lstStyle/>
+          <a:p>
+            <a:pPr marL="0" indent="0">
+              <a:buNone/>
+            </a:pPr>
+            <a:r>
+              <a:rPr lang="en-GB" b="1" dirty="0"/>
+              <a:t>How to get help</a:t>
+            </a:r>
+          </a:p>
+          <a:p>
+            <a:pPr marL="0" indent="0">
+              <a:buNone/>
+            </a:pPr>
+            <a:endParaRPr lang="en-US" dirty="0"/>
+          </a:p>
+          <a:p>
+            <a:pPr marL="514350" indent="-514350">
+              <a:buAutoNum type="arabicPeriod"/>
+            </a:pPr>
+            <a:r>
+              <a:rPr lang="en-US" dirty="0"/>
+              <a:t>Explain it to a rubber duck</a:t>
+            </a:r>
+          </a:p>
+          <a:p>
+            <a:pPr marL="514350" indent="-514350">
+              <a:buAutoNum type="arabicPeriod"/>
+            </a:pPr>
+            <a:r>
+              <a:rPr lang="en-US" dirty="0"/>
+              <a:t>Google it</a:t>
+            </a:r>
+          </a:p>
+          <a:p>
+            <a:pPr marL="514350" indent="-514350">
+              <a:buAutoNum type="arabicPeriod"/>
+            </a:pPr>
+            <a:r>
+              <a:rPr lang="en-US" dirty="0"/>
+              <a:t>Ask a peer</a:t>
+            </a:r>
+          </a:p>
+          <a:p>
+            <a:pPr marL="514350" indent="-514350">
+              <a:buAutoNum type="arabicPeriod"/>
+            </a:pPr>
+            <a:r>
+              <a:rPr lang="en-US" dirty="0"/>
+              <a:t>Ask the professor</a:t>
+            </a:r>
+          </a:p>
+          <a:p>
+            <a:pPr marL="514350" indent="-514350">
+              <a:buAutoNum type="arabicPeriod"/>
+            </a:pPr>
+            <a:r>
+              <a:rPr lang="en-US" dirty="0"/>
+              <a:t>Ask </a:t>
+            </a:r>
+            <a:r>
+              <a:rPr lang="en-US" dirty="0" err="1"/>
+              <a:t>StackOverflow</a:t>
+            </a:r>
+            <a:endParaRPr lang="en-US" dirty="0"/>
+          </a:p>
+        </p:txBody>
+      </p:sp>
+      <p:sp>
+        <p:nvSpPr>
+          <p:cNvPr id="4" name="Slide Number Placeholder 3">
+            <a:extLst>
+              <a:ext uri="{FF2B5EF4-FFF2-40B4-BE49-F238E27FC236}">
+                <a16:creationId xmlns:a16="http://schemas.microsoft.com/office/drawing/2014/main" id="{A37F7E92-CA39-4BDE-B966-A577119A22D2}"/>
+              </a:ext>
+            </a:extLst>
+          </p:cNvPr>
+          <p:cNvSpPr>
+            <a:spLocks noGrp="1"/>
+          </p:cNvSpPr>
+          <p:nvPr>
+            <p:ph type="sldNum" sz="quarter" idx="10"/>
+          </p:nvPr>
+        </p:nvSpPr>
+        <p:spPr/>
+        <p:txBody>
+          <a:bodyPr/>
+          <a:lstStyle/>
+          <a:p>
+            <a:pPr algn="ctr"/>
+            <a:fld id="{DB5A3A47-29A7-45E5-923E-10FF85749154}" type="slidenum">
+              <a:rPr lang="en-GB" smtClean="0"/>
+              <a:pPr algn="ctr"/>
+              <a:t>5</a:t>
+            </a:fld>
+            <a:endParaRPr lang="en-GB" dirty="0"/>
+          </a:p>
+        </p:txBody>
+      </p:sp>
+    </p:spTree>
+    <p:extLst>
+      <p:ext uri="{BB962C8B-B14F-4D97-AF65-F5344CB8AC3E}">
+        <p14:creationId xmlns:p14="http://schemas.microsoft.com/office/powerpoint/2010/main" val="2558639828"/>
+      </p:ext>
+    </p:extLst>
+  </p:cSld>
+  <p:clrMapOvr>
+    <a:masterClrMapping/>
+  </p:clrMapOvr>
+</p:sld>
+</file>
+
+<file path=ppt/slides/slide6.xml><?xml version="1.0" encoding="utf-8"?>
+<p:sld xmlns:a="http://schemas.openxmlformats.org/drawingml/2006/main" xmlns:r="http://schemas.openxmlformats.org/officeDocument/2006/relationships" xmlns:p="http://schemas.openxmlformats.org/presentationml/2006/main">
+  <p:cSld>
+    <p:spTree>
+      <p:nvGrpSpPr>
+        <p:cNvPr id="1" name=""/>
+        <p:cNvGrpSpPr/>
+        <p:nvPr/>
+      </p:nvGrpSpPr>
+      <p:grpSpPr>
+        <a:xfrm>
+          <a:off x="0" y="0"/>
+          <a:ext cx="0" cy="0"/>
+          <a:chOff x="0" y="0"/>
+          <a:chExt cx="0" cy="0"/>
+        </a:xfrm>
+      </p:grpSpPr>
+      <p:sp>
+        <p:nvSpPr>
+          <p:cNvPr id="2" name="Title 1">
+            <a:extLst>
+              <a:ext uri="{FF2B5EF4-FFF2-40B4-BE49-F238E27FC236}">
+                <a16:creationId xmlns:a16="http://schemas.microsoft.com/office/drawing/2014/main" id="{6F12476D-5828-4A60-84E8-0EEBCD0B8B35}"/>
+              </a:ext>
+            </a:extLst>
+          </p:cNvPr>
+          <p:cNvSpPr>
+            <a:spLocks noGrp="1"/>
+          </p:cNvSpPr>
+          <p:nvPr>
+            <p:ph type="title"/>
+          </p:nvPr>
+        </p:nvSpPr>
+        <p:spPr/>
+        <p:txBody>
+          <a:bodyPr/>
+          <a:lstStyle/>
+          <a:p>
+            <a:r>
+              <a:rPr lang="en-US" dirty="0"/>
+              <a:t>Debugging</a:t>
+            </a:r>
+          </a:p>
+        </p:txBody>
+      </p:sp>
+      <p:sp>
+        <p:nvSpPr>
+          <p:cNvPr id="3" name="Content Placeholder 2">
+            <a:extLst>
+              <a:ext uri="{FF2B5EF4-FFF2-40B4-BE49-F238E27FC236}">
+                <a16:creationId xmlns:a16="http://schemas.microsoft.com/office/drawing/2014/main" id="{281C39D9-E539-463A-AE61-A1B9F826D3FE}"/>
+              </a:ext>
+            </a:extLst>
+          </p:cNvPr>
+          <p:cNvSpPr>
+            <a:spLocks noGrp="1"/>
+          </p:cNvSpPr>
+          <p:nvPr>
+            <p:ph idx="1"/>
+          </p:nvPr>
+        </p:nvSpPr>
+        <p:spPr/>
+        <p:txBody>
+          <a:bodyPr/>
+          <a:lstStyle/>
+          <a:p>
+            <a:pPr marL="0" indent="0">
+              <a:buNone/>
+            </a:pPr>
+            <a:r>
+              <a:rPr lang="en-US" b="1" dirty="0"/>
+              <a:t>Using Stack Exchange</a:t>
+            </a:r>
+          </a:p>
+          <a:p>
+            <a:pPr marL="0" indent="0">
+              <a:buNone/>
+            </a:pPr>
+            <a:endParaRPr lang="en-US" dirty="0"/>
+          </a:p>
+          <a:p>
+            <a:pPr marL="0" indent="0">
+              <a:buNone/>
+            </a:pPr>
+            <a:r>
+              <a:rPr lang="en-US" dirty="0">
+                <a:hlinkClick r:id="rId2"/>
+              </a:rPr>
+              <a:t>https://stackoverflow.com/questions/20002503/why-does-a-b-or-c-or-d-always-evaluate-to-true</a:t>
+            </a:r>
+            <a:r>
+              <a:rPr lang="en-US" dirty="0"/>
+              <a:t> </a:t>
+            </a:r>
+          </a:p>
+          <a:p>
+            <a:pPr marL="0" indent="0">
+              <a:buNone/>
+            </a:pPr>
+            <a:endParaRPr lang="en-US" dirty="0"/>
+          </a:p>
+          <a:p>
+            <a:pPr marL="0" indent="0">
+              <a:buNone/>
+            </a:pPr>
+            <a:r>
+              <a:rPr lang="en-US" dirty="0"/>
+              <a:t>Your example…</a:t>
+            </a:r>
+          </a:p>
+        </p:txBody>
+      </p:sp>
+      <p:sp>
+        <p:nvSpPr>
+          <p:cNvPr id="4" name="Slide Number Placeholder 3">
+            <a:extLst>
+              <a:ext uri="{FF2B5EF4-FFF2-40B4-BE49-F238E27FC236}">
+                <a16:creationId xmlns:a16="http://schemas.microsoft.com/office/drawing/2014/main" id="{8AA72D9C-BC16-4ADC-886F-CD3B2211815B}"/>
+              </a:ext>
+            </a:extLst>
+          </p:cNvPr>
+          <p:cNvSpPr>
+            <a:spLocks noGrp="1"/>
+          </p:cNvSpPr>
+          <p:nvPr>
+            <p:ph type="sldNum" sz="quarter" idx="10"/>
+          </p:nvPr>
+        </p:nvSpPr>
+        <p:spPr/>
+        <p:txBody>
+          <a:bodyPr/>
+          <a:lstStyle/>
+          <a:p>
+            <a:pPr algn="ctr"/>
+            <a:fld id="{DB5A3A47-29A7-45E5-923E-10FF85749154}" type="slidenum">
+              <a:rPr lang="en-GB" smtClean="0"/>
+              <a:pPr algn="ctr"/>
+              <a:t>6</a:t>
+            </a:fld>
+            <a:endParaRPr lang="en-GB" dirty="0"/>
+          </a:p>
+        </p:txBody>
+      </p:sp>
+    </p:spTree>
+    <p:extLst>
+      <p:ext uri="{BB962C8B-B14F-4D97-AF65-F5344CB8AC3E}">
+        <p14:creationId xmlns:p14="http://schemas.microsoft.com/office/powerpoint/2010/main" val="4214834599"/>
+      </p:ext>
+    </p:extLst>
+  </p:cSld>
+  <p:clrMapOvr>
+    <a:masterClrMapping/>
+  </p:clrMapOvr>
+</p:sld>
+</file>
+
+<file path=ppt/slides/slide7.xml><?xml version="1.0" encoding="utf-8"?>
+<p:sld xmlns:a="http://schemas.openxmlformats.org/drawingml/2006/main" xmlns:r="http://schemas.openxmlformats.org/officeDocument/2006/relationships" xmlns:p="http://schemas.openxmlformats.org/presentationml/2006/main">
+  <p:cSld>
+    <p:spTree>
+      <p:nvGrpSpPr>
+        <p:cNvPr id="1" name=""/>
+        <p:cNvGrpSpPr/>
+        <p:nvPr/>
+      </p:nvGrpSpPr>
+      <p:grpSpPr>
+        <a:xfrm>
+          <a:off x="0" y="0"/>
+          <a:ext cx="0" cy="0"/>
+          <a:chOff x="0" y="0"/>
+          <a:chExt cx="0" cy="0"/>
+        </a:xfrm>
+      </p:grpSpPr>
+      <p:sp>
+        <p:nvSpPr>
+          <p:cNvPr id="2" name="Title 1">
+            <a:extLst>
+              <a:ext uri="{FF2B5EF4-FFF2-40B4-BE49-F238E27FC236}">
+                <a16:creationId xmlns:a16="http://schemas.microsoft.com/office/drawing/2014/main" id="{6F12476D-5828-4A60-84E8-0EEBCD0B8B35}"/>
+              </a:ext>
+            </a:extLst>
+          </p:cNvPr>
+          <p:cNvSpPr>
+            <a:spLocks noGrp="1"/>
+          </p:cNvSpPr>
+          <p:nvPr>
+            <p:ph type="title"/>
+          </p:nvPr>
+        </p:nvSpPr>
+        <p:spPr/>
+        <p:txBody>
+          <a:bodyPr/>
+          <a:lstStyle/>
+          <a:p>
+            <a:r>
+              <a:rPr lang="en-US" dirty="0"/>
+              <a:t>Debugging</a:t>
+            </a:r>
+          </a:p>
+        </p:txBody>
+      </p:sp>
+      <p:sp>
+        <p:nvSpPr>
+          <p:cNvPr id="3" name="Content Placeholder 2">
+            <a:extLst>
+              <a:ext uri="{FF2B5EF4-FFF2-40B4-BE49-F238E27FC236}">
+                <a16:creationId xmlns:a16="http://schemas.microsoft.com/office/drawing/2014/main" id="{281C39D9-E539-463A-AE61-A1B9F826D3FE}"/>
+              </a:ext>
+            </a:extLst>
+          </p:cNvPr>
+          <p:cNvSpPr>
+            <a:spLocks noGrp="1"/>
+          </p:cNvSpPr>
+          <p:nvPr>
+            <p:ph idx="1"/>
+          </p:nvPr>
+        </p:nvSpPr>
+        <p:spPr/>
+        <p:txBody>
+          <a:bodyPr/>
+          <a:lstStyle/>
+          <a:p>
+            <a:pPr marL="0" indent="0">
+              <a:buNone/>
+            </a:pPr>
+            <a:r>
+              <a:rPr lang="en-US" b="1" dirty="0"/>
+              <a:t>But how do you know if the random answers you get on the internet are right?</a:t>
+            </a:r>
+          </a:p>
+          <a:p>
+            <a:pPr marL="0" indent="0">
+              <a:buNone/>
+            </a:pPr>
+            <a:endParaRPr lang="en-US" dirty="0"/>
+          </a:p>
+          <a:p>
+            <a:pPr marL="0" indent="0">
+              <a:buNone/>
+            </a:pPr>
+            <a:endParaRPr lang="en-US" dirty="0"/>
+          </a:p>
+          <a:p>
+            <a:pPr marL="0" indent="0">
+              <a:buNone/>
+            </a:pPr>
+            <a:r>
+              <a:rPr lang="en-US" dirty="0"/>
+              <a:t>Test them!</a:t>
+            </a:r>
+          </a:p>
+        </p:txBody>
+      </p:sp>
+      <p:sp>
+        <p:nvSpPr>
+          <p:cNvPr id="4" name="Slide Number Placeholder 3">
+            <a:extLst>
+              <a:ext uri="{FF2B5EF4-FFF2-40B4-BE49-F238E27FC236}">
+                <a16:creationId xmlns:a16="http://schemas.microsoft.com/office/drawing/2014/main" id="{8AA72D9C-BC16-4ADC-886F-CD3B2211815B}"/>
+              </a:ext>
+            </a:extLst>
+          </p:cNvPr>
+          <p:cNvSpPr>
+            <a:spLocks noGrp="1"/>
+          </p:cNvSpPr>
+          <p:nvPr>
+            <p:ph type="sldNum" sz="quarter" idx="10"/>
+          </p:nvPr>
+        </p:nvSpPr>
+        <p:spPr/>
+        <p:txBody>
+          <a:bodyPr/>
+          <a:lstStyle/>
+          <a:p>
+            <a:pPr algn="ctr"/>
+            <a:fld id="{DB5A3A47-29A7-45E5-923E-10FF85749154}" type="slidenum">
+              <a:rPr lang="en-GB" smtClean="0"/>
+              <a:pPr algn="ctr"/>
+              <a:t>7</a:t>
+            </a:fld>
+            <a:endParaRPr lang="en-GB" dirty="0"/>
+          </a:p>
+        </p:txBody>
+      </p:sp>
+      <p:pic>
+        <p:nvPicPr>
+          <p:cNvPr id="5" name="Picture 4">
+            <a:extLst>
+              <a:ext uri="{FF2B5EF4-FFF2-40B4-BE49-F238E27FC236}">
+                <a16:creationId xmlns:a16="http://schemas.microsoft.com/office/drawing/2014/main" id="{BFF42E10-F445-4E5D-9B6D-F48DC4BF3385}"/>
+              </a:ext>
+            </a:extLst>
+          </p:cNvPr>
+          <p:cNvPicPr>
+            <a:picLocks noChangeAspect="1"/>
+          </p:cNvPicPr>
+          <p:nvPr/>
+        </p:nvPicPr>
+        <p:blipFill>
+          <a:blip r:embed="rId2">
+            <a:extLst>
+              <a:ext uri="{28A0092B-C50C-407E-A947-70E740481C1C}">
+                <a14:useLocalDpi xmlns:a14="http://schemas.microsoft.com/office/drawing/2010/main" val="0"/>
+              </a:ext>
+            </a:extLst>
+          </a:blip>
+          <a:stretch>
+            <a:fillRect/>
+          </a:stretch>
+        </p:blipFill>
+        <p:spPr>
+          <a:xfrm>
+            <a:off x="6417205" y="2573905"/>
+            <a:ext cx="2115235" cy="3885432"/>
+          </a:xfrm>
+          <a:prstGeom prst="rect">
+            <a:avLst/>
+          </a:prstGeom>
+        </p:spPr>
+      </p:pic>
+    </p:spTree>
+    <p:extLst>
+      <p:ext uri="{BB962C8B-B14F-4D97-AF65-F5344CB8AC3E}">
+        <p14:creationId xmlns:p14="http://schemas.microsoft.com/office/powerpoint/2010/main" val="857899045"/>
+      </p:ext>
+    </p:extLst>
+  </p:cSld>
+  <p:clrMapOvr>
+    <a:masterClrMapping/>
+  </p:clrMapOvr>
+  <p:timing>
+    <p:tnLst>
+      <p:par>
+        <p:cTn id="1" dur="indefinite" restart="never" nodeType="tmRoot">
+          <p:childTnLst>
+            <p:seq concurrent="1" nextAc="seek">
+              <p:cTn id="2" dur="indefinite" nodeType="mainSeq">
+                <p:childTnLst>
+                  <p:par>
+                    <p:cTn id="3" fill="hold">
+                      <p:stCondLst>
+                        <p:cond delay="indefinite"/>
+                      </p:stCondLst>
+                      <p:childTnLst>
+                        <p:par>
+                          <p:cTn id="4" fill="hold">
+                            <p:stCondLst>
+                              <p:cond delay="0"/>
+                            </p:stCondLst>
+                            <p:childTnLst>
+                              <p:par>
+                                <p:cTn id="5" presetID="1" presetClass="entr" presetSubtype="0" fill="hold" nodeType="clickEffect">
+                                  <p:stCondLst>
+                                    <p:cond delay="0"/>
+                                  </p:stCondLst>
+                                  <p:childTnLst>
+                                    <p:set>
+                                      <p:cBhvr>
+                                        <p:cTn id="6" dur="1" fill="hold">
+                                          <p:stCondLst>
+                                            <p:cond delay="0"/>
+                                          </p:stCondLst>
+                                        </p:cTn>
+                                        <p:tgtEl>
+                                          <p:spTgt spid="3">
+                                            <p:txEl>
+                                              <p:pRg st="3" end="3"/>
+                                            </p:txEl>
+                                          </p:spTgt>
+                                        </p:tgtEl>
+                                        <p:attrNameLst>
+                                          <p:attrName>style.visibility</p:attrName>
+                                        </p:attrNameLst>
+                                      </p:cBhvr>
+                                      <p:to>
+                                        <p:strVal val="visible"/>
+                                      </p:to>
+                                    </p:set>
+                                  </p:childTnLst>
+                                </p:cTn>
+                              </p:par>
+                            </p:childTnLst>
+                          </p:cTn>
+                        </p:par>
+                      </p:childTnLst>
+                    </p:cTn>
+                  </p:par>
+                  <p:par>
+                    <p:cTn id="7" fill="hold">
+                      <p:stCondLst>
+                        <p:cond delay="indefinite"/>
+                      </p:stCondLst>
+                      <p:childTnLst>
+                        <p:par>
+                          <p:cTn id="8" fill="hold">
+                            <p:stCondLst>
+                              <p:cond delay="0"/>
+                            </p:stCondLst>
+                            <p:childTnLst>
+                              <p:par>
+                                <p:cTn id="9" presetID="1" presetClass="entr" presetSubtype="0" fill="hold" nodeType="clickEffect">
+                                  <p:stCondLst>
+                                    <p:cond delay="0"/>
+                                  </p:stCondLst>
+                                  <p:childTnLst>
+                                    <p:set>
+                                      <p:cBhvr>
+                                        <p:cTn id="10" dur="1" fill="hold">
+                                          <p:stCondLst>
+                                            <p:cond delay="0"/>
+                                          </p:stCondLst>
+                                        </p:cTn>
+                                        <p:tgtEl>
+                                          <p:spTgt spid="5"/>
+                                        </p:tgtEl>
+                                        <p:attrNameLst>
+                                          <p:attrName>style.visibility</p:attrName>
+                                        </p:attrNameLst>
+                                      </p:cBhvr>
+                                      <p:to>
+                                        <p:strVal val="visible"/>
+                                      </p:to>
+                                    </p:set>
+                                  </p:childTnLst>
+                                </p:cTn>
+                              </p:par>
+                            </p:childTnLst>
+                          </p:cTn>
+                        </p:par>
+                      </p:childTnLst>
+                    </p:cTn>
+                  </p:par>
+                </p:childTnLst>
+              </p:cTn>
+              <p:prevCondLst>
+                <p:cond evt="onPrev" delay="0">
+                  <p:tgtEl>
+                    <p:sldTgt/>
+                  </p:tgtEl>
+                </p:cond>
+              </p:prevCondLst>
+              <p:nextCondLst>
+                <p:cond evt="onNext" delay="0">
+                  <p:tgtEl>
+                    <p:sldTgt/>
+                  </p:tgtEl>
+                </p:cond>
+              </p:nextCondLst>
+            </p:seq>
+          </p:childTnLst>
+        </p:cTn>
+      </p:par>
+    </p:tnLst>
+  </p:timing>
+</p:sld>
+</file>
+
+<file path=ppt/slides/slide8.xml><?xml version="1.0" encoding="utf-8"?>
+<p:sld xmlns:a="http://schemas.openxmlformats.org/drawingml/2006/main" xmlns:r="http://schemas.openxmlformats.org/officeDocument/2006/relationships" xmlns:p="http://schemas.openxmlformats.org/presentationml/2006/main">
+  <p:cSld>
+    <p:spTree>
+      <p:nvGrpSpPr>
+        <p:cNvPr id="1" name=""/>
+        <p:cNvGrpSpPr/>
+        <p:nvPr/>
+      </p:nvGrpSpPr>
+      <p:grpSpPr>
+        <a:xfrm>
+          <a:off x="0" y="0"/>
+          <a:ext cx="0" cy="0"/>
+          <a:chOff x="0" y="0"/>
+          <a:chExt cx="0" cy="0"/>
+        </a:xfrm>
+      </p:grpSpPr>
+      <p:sp>
+        <p:nvSpPr>
+          <p:cNvPr id="2" name="Title 1"/>
+          <p:cNvSpPr>
+            <a:spLocks noGrp="1"/>
+          </p:cNvSpPr>
+          <p:nvPr>
+            <p:ph type="title"/>
+          </p:nvPr>
+        </p:nvSpPr>
+        <p:spPr/>
+        <p:txBody>
+          <a:bodyPr/>
+          <a:lstStyle/>
+          <a:p>
+            <a:r>
+              <a:rPr lang="en-US" dirty="0"/>
+              <a:t>Open Data</a:t>
+            </a:r>
+          </a:p>
+        </p:txBody>
+      </p:sp>
+      <p:sp>
+        <p:nvSpPr>
+          <p:cNvPr id="3" name="Content Placeholder 2"/>
+          <p:cNvSpPr>
+            <a:spLocks noGrp="1"/>
+          </p:cNvSpPr>
+          <p:nvPr>
+            <p:ph idx="1"/>
+          </p:nvPr>
+        </p:nvSpPr>
+        <p:spPr/>
+        <p:txBody>
+          <a:bodyPr/>
+          <a:lstStyle/>
+          <a:p>
+            <a:pPr marL="0" indent="0">
+              <a:buNone/>
+            </a:pPr>
+            <a:endParaRPr lang="en-US" dirty="0"/>
+          </a:p>
+          <a:p>
+            <a:pPr marL="0" indent="0">
+              <a:buNone/>
+            </a:pPr>
+            <a:r>
+              <a:rPr lang="en-GB" i="1" dirty="0"/>
+              <a:t>Open data is data that can be freely used, re-used and redistributed by anyone - subject only, at most, to the requirement to attribute and </a:t>
+            </a:r>
+            <a:r>
+              <a:rPr lang="en-GB" i="1" dirty="0" err="1"/>
+              <a:t>sharealike</a:t>
+            </a:r>
+            <a:r>
+              <a:rPr lang="en-GB" i="1" dirty="0"/>
+              <a:t>.</a:t>
+            </a:r>
+            <a:r>
+              <a:rPr lang="en-GB" sz="1600" i="1" dirty="0"/>
+              <a:t>	</a:t>
+            </a:r>
+          </a:p>
+          <a:p>
+            <a:pPr marL="0" indent="0">
+              <a:buNone/>
+            </a:pPr>
+            <a:r>
+              <a:rPr lang="en-GB" sz="1600" i="1" dirty="0"/>
+              <a:t>-- Open Data Handbook: </a:t>
+            </a:r>
+            <a:r>
+              <a:rPr lang="en-US" sz="1600" dirty="0">
+                <a:hlinkClick r:id="rId2"/>
+              </a:rPr>
+              <a:t>http://opendatahandbook.org/guide/en/what-is-open-data/</a:t>
+            </a:r>
+            <a:r>
+              <a:rPr lang="en-US" sz="1600" dirty="0"/>
+              <a:t> </a:t>
+            </a:r>
+          </a:p>
+          <a:p>
+            <a:pPr marL="0" indent="0">
+              <a:buNone/>
+            </a:pPr>
+            <a:endParaRPr lang="en-US" sz="1600" dirty="0"/>
+          </a:p>
+          <a:p>
+            <a:pPr marL="0" indent="0">
+              <a:buNone/>
+            </a:pPr>
+            <a:endParaRPr lang="en-US" sz="1600" dirty="0"/>
+          </a:p>
+        </p:txBody>
+      </p:sp>
+      <p:sp>
+        <p:nvSpPr>
+          <p:cNvPr id="4" name="Slide Number Placeholder 3"/>
+          <p:cNvSpPr>
+            <a:spLocks noGrp="1"/>
+          </p:cNvSpPr>
+          <p:nvPr>
+            <p:ph type="sldNum" sz="quarter" idx="10"/>
+          </p:nvPr>
+        </p:nvSpPr>
+        <p:spPr/>
+        <p:txBody>
+          <a:bodyPr/>
+          <a:lstStyle/>
+          <a:p>
+            <a:pPr algn="ctr"/>
+            <a:fld id="{DB5A3A47-29A7-45E5-923E-10FF85749154}" type="slidenum">
+              <a:rPr lang="en-GB" smtClean="0"/>
+              <a:pPr algn="ctr"/>
+              <a:t>8</a:t>
             </a:fld>
             <a:endParaRPr lang="en-GB" dirty="0"/>
           </a:p>
@@ -8931,1058 +10935,6 @@
 </p:sld>
 </file>
 
-<file path=ppt/slides/slide4.xml><?xml version="1.0" encoding="utf-8"?>
-<p:sld xmlns:a="http://schemas.openxmlformats.org/drawingml/2006/main" xmlns:r="http://schemas.openxmlformats.org/officeDocument/2006/relationships" xmlns:p="http://schemas.openxmlformats.org/presentationml/2006/main">
-  <p:cSld>
-    <p:spTree>
-      <p:nvGrpSpPr>
-        <p:cNvPr id="1" name=""/>
-        <p:cNvGrpSpPr/>
-        <p:nvPr/>
-      </p:nvGrpSpPr>
-      <p:grpSpPr>
-        <a:xfrm>
-          <a:off x="0" y="0"/>
-          <a:ext cx="0" cy="0"/>
-          <a:chOff x="0" y="0"/>
-          <a:chExt cx="0" cy="0"/>
-        </a:xfrm>
-      </p:grpSpPr>
-      <p:sp>
-        <p:nvSpPr>
-          <p:cNvPr id="2" name="Title 1"/>
-          <p:cNvSpPr>
-            <a:spLocks noGrp="1"/>
-          </p:cNvSpPr>
-          <p:nvPr>
-            <p:ph type="title"/>
-          </p:nvPr>
-        </p:nvSpPr>
-        <p:spPr/>
-        <p:txBody>
-          <a:bodyPr/>
-          <a:lstStyle/>
-          <a:p>
-            <a:r>
-              <a:rPr lang="en-US" dirty="0"/>
-              <a:t>Who publishes data and why? </a:t>
-            </a:r>
-          </a:p>
-        </p:txBody>
-      </p:sp>
-      <p:sp>
-        <p:nvSpPr>
-          <p:cNvPr id="3" name="Content Placeholder 2"/>
-          <p:cNvSpPr>
-            <a:spLocks noGrp="1"/>
-          </p:cNvSpPr>
-          <p:nvPr>
-            <p:ph idx="1"/>
-          </p:nvPr>
-        </p:nvSpPr>
-        <p:spPr/>
-        <p:txBody>
-          <a:bodyPr/>
-          <a:lstStyle/>
-          <a:p>
-            <a:pPr marL="0" indent="0">
-              <a:buNone/>
-            </a:pPr>
-            <a:r>
-              <a:rPr lang="en-US" b="1" dirty="0"/>
-              <a:t>Open Data: </a:t>
-            </a:r>
-            <a:r>
-              <a:rPr lang="en-US" dirty="0"/>
-              <a:t>Usually from a government, university or non-profit.  </a:t>
-            </a:r>
-          </a:p>
-          <a:p>
-            <a:pPr marL="0" indent="0">
-              <a:buNone/>
-            </a:pPr>
-            <a:endParaRPr lang="en-US" dirty="0"/>
-          </a:p>
-          <a:p>
-            <a:pPr marL="0" indent="0">
-              <a:buNone/>
-            </a:pPr>
-            <a:r>
-              <a:rPr lang="en-US" b="1" dirty="0"/>
-              <a:t>Why?  </a:t>
-            </a:r>
-          </a:p>
-          <a:p>
-            <a:r>
-              <a:rPr lang="en-US" dirty="0"/>
-              <a:t>Transparency</a:t>
-            </a:r>
-          </a:p>
-          <a:p>
-            <a:r>
-              <a:rPr lang="en-US" dirty="0"/>
-              <a:t>Serve public good</a:t>
-            </a:r>
-          </a:p>
-          <a:p>
-            <a:r>
-              <a:rPr lang="en-US" dirty="0"/>
-              <a:t>Often subject to Freedom of Information Act (FOIA) anyway. </a:t>
-            </a:r>
-          </a:p>
-          <a:p>
-            <a:pPr marL="0" indent="0">
-              <a:buNone/>
-            </a:pPr>
-            <a:r>
-              <a:rPr lang="en-US" b="1" dirty="0"/>
-              <a:t>Notes</a:t>
-            </a:r>
-          </a:p>
-          <a:p>
-            <a:r>
-              <a:rPr lang="en-US" dirty="0"/>
-              <a:t>What is the transparency of the processing?</a:t>
-            </a:r>
-          </a:p>
-        </p:txBody>
-      </p:sp>
-      <p:sp>
-        <p:nvSpPr>
-          <p:cNvPr id="4" name="Slide Number Placeholder 3"/>
-          <p:cNvSpPr>
-            <a:spLocks noGrp="1"/>
-          </p:cNvSpPr>
-          <p:nvPr>
-            <p:ph type="sldNum" sz="quarter" idx="10"/>
-          </p:nvPr>
-        </p:nvSpPr>
-        <p:spPr/>
-        <p:txBody>
-          <a:bodyPr/>
-          <a:lstStyle/>
-          <a:p>
-            <a:pPr algn="ctr"/>
-            <a:fld id="{DB5A3A47-29A7-45E5-923E-10FF85749154}" type="slidenum">
-              <a:rPr lang="en-GB" smtClean="0"/>
-              <a:pPr algn="ctr"/>
-              <a:t>4</a:t>
-            </a:fld>
-            <a:endParaRPr lang="en-GB" dirty="0"/>
-          </a:p>
-        </p:txBody>
-      </p:sp>
-    </p:spTree>
-    <p:extLst>
-      <p:ext uri="{BB962C8B-B14F-4D97-AF65-F5344CB8AC3E}">
-        <p14:creationId xmlns:p14="http://schemas.microsoft.com/office/powerpoint/2010/main" val="2031825479"/>
-      </p:ext>
-    </p:extLst>
-  </p:cSld>
-  <p:clrMapOvr>
-    <a:masterClrMapping/>
-  </p:clrMapOvr>
-</p:sld>
-</file>
-
-<file path=ppt/slides/slide5.xml><?xml version="1.0" encoding="utf-8"?>
-<p:sld xmlns:a="http://schemas.openxmlformats.org/drawingml/2006/main" xmlns:r="http://schemas.openxmlformats.org/officeDocument/2006/relationships" xmlns:p="http://schemas.openxmlformats.org/presentationml/2006/main">
-  <p:cSld>
-    <p:spTree>
-      <p:nvGrpSpPr>
-        <p:cNvPr id="1" name=""/>
-        <p:cNvGrpSpPr/>
-        <p:nvPr/>
-      </p:nvGrpSpPr>
-      <p:grpSpPr>
-        <a:xfrm>
-          <a:off x="0" y="0"/>
-          <a:ext cx="0" cy="0"/>
-          <a:chOff x="0" y="0"/>
-          <a:chExt cx="0" cy="0"/>
-        </a:xfrm>
-      </p:grpSpPr>
-      <p:sp>
-        <p:nvSpPr>
-          <p:cNvPr id="2" name="Title 1"/>
-          <p:cNvSpPr>
-            <a:spLocks noGrp="1"/>
-          </p:cNvSpPr>
-          <p:nvPr>
-            <p:ph type="title"/>
-          </p:nvPr>
-        </p:nvSpPr>
-        <p:spPr/>
-        <p:txBody>
-          <a:bodyPr/>
-          <a:lstStyle/>
-          <a:p>
-            <a:r>
-              <a:rPr lang="en-US" dirty="0"/>
-              <a:t>Who publishes data and why? </a:t>
-            </a:r>
-          </a:p>
-        </p:txBody>
-      </p:sp>
-      <p:sp>
-        <p:nvSpPr>
-          <p:cNvPr id="3" name="Content Placeholder 2"/>
-          <p:cNvSpPr>
-            <a:spLocks noGrp="1"/>
-          </p:cNvSpPr>
-          <p:nvPr>
-            <p:ph idx="1"/>
-          </p:nvPr>
-        </p:nvSpPr>
-        <p:spPr>
-          <a:xfrm>
-            <a:off x="330200" y="1448780"/>
-            <a:ext cx="8489950" cy="5130570"/>
-          </a:xfrm>
-        </p:spPr>
-        <p:txBody>
-          <a:bodyPr/>
-          <a:lstStyle/>
-          <a:p>
-            <a:pPr marL="0" indent="0">
-              <a:buNone/>
-            </a:pPr>
-            <a:r>
-              <a:rPr lang="en-US" b="1" dirty="0"/>
-              <a:t>Commercial Data: </a:t>
-            </a:r>
-            <a:r>
-              <a:rPr lang="en-US" dirty="0"/>
-              <a:t>From a company</a:t>
-            </a:r>
-          </a:p>
-          <a:p>
-            <a:pPr marL="0" indent="0">
-              <a:buNone/>
-            </a:pPr>
-            <a:r>
-              <a:rPr lang="en-US" b="1" dirty="0"/>
-              <a:t>Why?  </a:t>
-            </a:r>
-          </a:p>
-          <a:p>
-            <a:r>
-              <a:rPr lang="en-US" dirty="0"/>
-              <a:t>Profit</a:t>
-            </a:r>
-          </a:p>
-          <a:p>
-            <a:r>
-              <a:rPr lang="en-US" dirty="0"/>
-              <a:t>Sometimes community service or regulation</a:t>
-            </a:r>
-          </a:p>
-          <a:p>
-            <a:pPr marL="0" indent="0">
-              <a:buNone/>
-            </a:pPr>
-            <a:r>
-              <a:rPr lang="en-US" b="1" dirty="0"/>
-              <a:t>Notes</a:t>
-            </a:r>
-          </a:p>
-          <a:p>
-            <a:r>
-              <a:rPr lang="en-US" dirty="0"/>
-              <a:t>What is the transparency of the processing?</a:t>
-            </a:r>
-          </a:p>
-          <a:p>
-            <a:r>
-              <a:rPr lang="en-US" dirty="0"/>
-              <a:t>Sometimes a “free sample”</a:t>
-            </a:r>
-          </a:p>
-          <a:p>
-            <a:r>
-              <a:rPr lang="en-US" dirty="0"/>
-              <a:t>Pay attention to data use agreements</a:t>
-            </a:r>
-          </a:p>
-          <a:p>
-            <a:r>
-              <a:rPr lang="en-US" dirty="0"/>
-              <a:t>Need to pay someone to work on this stuff</a:t>
-            </a:r>
-          </a:p>
-          <a:p>
-            <a:r>
-              <a:rPr lang="en-US" dirty="0"/>
-              <a:t>Pay for value added or for a ‘data monopoly’?</a:t>
-            </a:r>
-          </a:p>
-          <a:p>
-            <a:pPr marL="0" indent="0">
-              <a:buNone/>
-            </a:pPr>
-            <a:endParaRPr lang="en-US" dirty="0"/>
-          </a:p>
-        </p:txBody>
-      </p:sp>
-      <p:sp>
-        <p:nvSpPr>
-          <p:cNvPr id="4" name="Slide Number Placeholder 3"/>
-          <p:cNvSpPr>
-            <a:spLocks noGrp="1"/>
-          </p:cNvSpPr>
-          <p:nvPr>
-            <p:ph type="sldNum" sz="quarter" idx="10"/>
-          </p:nvPr>
-        </p:nvSpPr>
-        <p:spPr/>
-        <p:txBody>
-          <a:bodyPr/>
-          <a:lstStyle/>
-          <a:p>
-            <a:pPr algn="ctr"/>
-            <a:fld id="{DB5A3A47-29A7-45E5-923E-10FF85749154}" type="slidenum">
-              <a:rPr lang="en-GB" smtClean="0"/>
-              <a:pPr algn="ctr"/>
-              <a:t>5</a:t>
-            </a:fld>
-            <a:endParaRPr lang="en-GB" dirty="0"/>
-          </a:p>
-        </p:txBody>
-      </p:sp>
-    </p:spTree>
-    <p:extLst>
-      <p:ext uri="{BB962C8B-B14F-4D97-AF65-F5344CB8AC3E}">
-        <p14:creationId xmlns:p14="http://schemas.microsoft.com/office/powerpoint/2010/main" val="718767631"/>
-      </p:ext>
-    </p:extLst>
-  </p:cSld>
-  <p:clrMapOvr>
-    <a:masterClrMapping/>
-  </p:clrMapOvr>
-</p:sld>
-</file>
-
-<file path=ppt/slides/slide6.xml><?xml version="1.0" encoding="utf-8"?>
-<p:sld xmlns:a="http://schemas.openxmlformats.org/drawingml/2006/main" xmlns:r="http://schemas.openxmlformats.org/officeDocument/2006/relationships" xmlns:p="http://schemas.openxmlformats.org/presentationml/2006/main">
-  <p:cSld>
-    <p:spTree>
-      <p:nvGrpSpPr>
-        <p:cNvPr id="1" name=""/>
-        <p:cNvGrpSpPr/>
-        <p:nvPr/>
-      </p:nvGrpSpPr>
-      <p:grpSpPr>
-        <a:xfrm>
-          <a:off x="0" y="0"/>
-          <a:ext cx="0" cy="0"/>
-          <a:chOff x="0" y="0"/>
-          <a:chExt cx="0" cy="0"/>
-        </a:xfrm>
-      </p:grpSpPr>
-      <p:sp>
-        <p:nvSpPr>
-          <p:cNvPr id="2" name="Title 1"/>
-          <p:cNvSpPr>
-            <a:spLocks noGrp="1"/>
-          </p:cNvSpPr>
-          <p:nvPr>
-            <p:ph type="title"/>
-          </p:nvPr>
-        </p:nvSpPr>
-        <p:spPr/>
-        <p:txBody>
-          <a:bodyPr/>
-          <a:lstStyle/>
-          <a:p>
-            <a:r>
-              <a:rPr lang="en-US" dirty="0"/>
-              <a:t>Data Ownership &amp; Data Privacy</a:t>
-            </a:r>
-          </a:p>
-        </p:txBody>
-      </p:sp>
-      <p:sp>
-        <p:nvSpPr>
-          <p:cNvPr id="3" name="Content Placeholder 2"/>
-          <p:cNvSpPr>
-            <a:spLocks noGrp="1"/>
-          </p:cNvSpPr>
-          <p:nvPr>
-            <p:ph idx="1"/>
-          </p:nvPr>
-        </p:nvSpPr>
-        <p:spPr/>
-        <p:txBody>
-          <a:bodyPr/>
-          <a:lstStyle/>
-          <a:p>
-            <a:r>
-              <a:rPr lang="en-US" dirty="0"/>
-              <a:t>Who owns data about YOU?</a:t>
-            </a:r>
-          </a:p>
-          <a:p>
-            <a:r>
-              <a:rPr lang="en-US" dirty="0"/>
-              <a:t>Example of Cubic, </a:t>
-            </a:r>
-            <a:r>
-              <a:rPr lang="en-US" dirty="0" err="1"/>
-              <a:t>AirSage</a:t>
-            </a:r>
-            <a:r>
-              <a:rPr lang="en-US" dirty="0"/>
-              <a:t>, etc.</a:t>
-            </a:r>
-          </a:p>
-          <a:p>
-            <a:endParaRPr lang="en-US" dirty="0"/>
-          </a:p>
-          <a:p>
-            <a:r>
-              <a:rPr lang="en-US" dirty="0"/>
-              <a:t>Need to protect personally identifiable information (PII).  </a:t>
-            </a:r>
-          </a:p>
-          <a:p>
-            <a:r>
-              <a:rPr lang="en-US" dirty="0"/>
-              <a:t>What are valid uses of personal data?</a:t>
-            </a:r>
-          </a:p>
-          <a:p>
-            <a:r>
-              <a:rPr lang="en-US" dirty="0"/>
-              <a:t>Value of a ‘firewall’</a:t>
-            </a:r>
-          </a:p>
-        </p:txBody>
-      </p:sp>
-      <p:sp>
-        <p:nvSpPr>
-          <p:cNvPr id="4" name="Slide Number Placeholder 3"/>
-          <p:cNvSpPr>
-            <a:spLocks noGrp="1"/>
-          </p:cNvSpPr>
-          <p:nvPr>
-            <p:ph type="sldNum" sz="quarter" idx="10"/>
-          </p:nvPr>
-        </p:nvSpPr>
-        <p:spPr/>
-        <p:txBody>
-          <a:bodyPr/>
-          <a:lstStyle/>
-          <a:p>
-            <a:pPr algn="ctr"/>
-            <a:fld id="{DB5A3A47-29A7-45E5-923E-10FF85749154}" type="slidenum">
-              <a:rPr lang="en-GB" smtClean="0"/>
-              <a:pPr algn="ctr"/>
-              <a:t>6</a:t>
-            </a:fld>
-            <a:endParaRPr lang="en-GB" dirty="0"/>
-          </a:p>
-        </p:txBody>
-      </p:sp>
-    </p:spTree>
-    <p:extLst>
-      <p:ext uri="{BB962C8B-B14F-4D97-AF65-F5344CB8AC3E}">
-        <p14:creationId xmlns:p14="http://schemas.microsoft.com/office/powerpoint/2010/main" val="106315528"/>
-      </p:ext>
-    </p:extLst>
-  </p:cSld>
-  <p:clrMapOvr>
-    <a:masterClrMapping/>
-  </p:clrMapOvr>
-</p:sld>
-</file>
-
-<file path=ppt/slides/slide7.xml><?xml version="1.0" encoding="utf-8"?>
-<p:sld xmlns:a="http://schemas.openxmlformats.org/drawingml/2006/main" xmlns:r="http://schemas.openxmlformats.org/officeDocument/2006/relationships" xmlns:p="http://schemas.openxmlformats.org/presentationml/2006/main">
-  <p:cSld>
-    <p:spTree>
-      <p:nvGrpSpPr>
-        <p:cNvPr id="1" name=""/>
-        <p:cNvGrpSpPr/>
-        <p:nvPr/>
-      </p:nvGrpSpPr>
-      <p:grpSpPr>
-        <a:xfrm>
-          <a:off x="0" y="0"/>
-          <a:ext cx="0" cy="0"/>
-          <a:chOff x="0" y="0"/>
-          <a:chExt cx="0" cy="0"/>
-        </a:xfrm>
-      </p:grpSpPr>
-      <p:sp>
-        <p:nvSpPr>
-          <p:cNvPr id="2" name="Title 1"/>
-          <p:cNvSpPr>
-            <a:spLocks noGrp="1"/>
-          </p:cNvSpPr>
-          <p:nvPr>
-            <p:ph type="title"/>
-          </p:nvPr>
-        </p:nvSpPr>
-        <p:spPr/>
-        <p:txBody>
-          <a:bodyPr/>
-          <a:lstStyle/>
-          <a:p>
-            <a:r>
-              <a:rPr lang="en-US" dirty="0"/>
-              <a:t>Some Transportation Sources</a:t>
-            </a:r>
-          </a:p>
-        </p:txBody>
-      </p:sp>
-      <p:sp>
-        <p:nvSpPr>
-          <p:cNvPr id="3" name="Content Placeholder 2"/>
-          <p:cNvSpPr>
-            <a:spLocks noGrp="1"/>
-          </p:cNvSpPr>
-          <p:nvPr>
-            <p:ph idx="1"/>
-          </p:nvPr>
-        </p:nvSpPr>
-        <p:spPr/>
-        <p:txBody>
-          <a:bodyPr/>
-          <a:lstStyle/>
-          <a:p>
-            <a:pPr marL="0" indent="0">
-              <a:buNone/>
-            </a:pPr>
-            <a:r>
-              <a:rPr lang="en-GB" sz="2000" dirty="0"/>
-              <a:t>Freight Analysis Framework: </a:t>
-            </a:r>
-            <a:r>
-              <a:rPr lang="en-GB" sz="2000" dirty="0">
-                <a:hlinkClick r:id="rId2"/>
-              </a:rPr>
-              <a:t>http://faf.ornl.gov/fafweb/</a:t>
-            </a:r>
-            <a:r>
-              <a:rPr lang="en-GB" sz="2000" dirty="0"/>
-              <a:t> </a:t>
-            </a:r>
-          </a:p>
-          <a:p>
-            <a:pPr marL="0" indent="0">
-              <a:buNone/>
-            </a:pPr>
-            <a:r>
-              <a:rPr lang="en-GB" sz="2000" dirty="0" err="1"/>
-              <a:t>OpenStreetMap</a:t>
-            </a:r>
-            <a:r>
-              <a:rPr lang="en-GB" sz="2000" dirty="0"/>
-              <a:t>: </a:t>
-            </a:r>
-            <a:r>
-              <a:rPr lang="en-GB" sz="2000" dirty="0">
-                <a:hlinkClick r:id="rId3"/>
-              </a:rPr>
-              <a:t>https://www.openstreetmap.org</a:t>
-            </a:r>
-            <a:r>
-              <a:rPr lang="en-GB" sz="2000" dirty="0"/>
-              <a:t> </a:t>
-            </a:r>
-          </a:p>
-          <a:p>
-            <a:pPr marL="0" indent="0">
-              <a:buNone/>
-            </a:pPr>
-            <a:r>
-              <a:rPr lang="en-GB" sz="2000" dirty="0"/>
-              <a:t>Rail Waybill: </a:t>
-            </a:r>
-            <a:r>
-              <a:rPr lang="en-GB" sz="2000" dirty="0">
-                <a:hlinkClick r:id="rId4"/>
-              </a:rPr>
-              <a:t>https://www.stb.gov/stb/industry/econ_waybill.html</a:t>
-            </a:r>
-            <a:r>
-              <a:rPr lang="en-GB" sz="2000" dirty="0"/>
-              <a:t> </a:t>
-            </a:r>
-          </a:p>
-          <a:p>
-            <a:pPr marL="0" indent="0">
-              <a:buNone/>
-            </a:pPr>
-            <a:r>
-              <a:rPr lang="en-GB" sz="2000" dirty="0"/>
-              <a:t>NYC Taxi Trips: </a:t>
-            </a:r>
-            <a:r>
-              <a:rPr lang="en-US" sz="2000" dirty="0">
-                <a:hlinkClick r:id="rId5"/>
-              </a:rPr>
-              <a:t>http://www.nyc.gov/html/tlc/html/about/trip_record_data.shtml</a:t>
-            </a:r>
-            <a:r>
-              <a:rPr lang="en-US" sz="2000" dirty="0"/>
-              <a:t> </a:t>
-            </a:r>
-          </a:p>
-          <a:p>
-            <a:pPr marL="0" indent="0">
-              <a:buNone/>
-            </a:pPr>
-            <a:r>
-              <a:rPr lang="en-US" sz="2000" dirty="0">
-                <a:hlinkClick r:id="rId6"/>
-              </a:rPr>
-              <a:t>http://toddwschneider.com/posts/analyzing-1-1-billion-nyc-taxi-and-uber-trips-with-a-vengeance/#taxi-data</a:t>
-            </a:r>
-            <a:r>
-              <a:rPr lang="en-US" sz="2000" dirty="0"/>
-              <a:t> </a:t>
-            </a:r>
-          </a:p>
-          <a:p>
-            <a:pPr marL="0" indent="0">
-              <a:buNone/>
-            </a:pPr>
-            <a:r>
-              <a:rPr lang="en-US" sz="2000" dirty="0"/>
-              <a:t>Accessibility Observatory: </a:t>
-            </a:r>
-            <a:r>
-              <a:rPr lang="en-US" sz="2000" dirty="0">
-                <a:hlinkClick r:id="rId7"/>
-              </a:rPr>
-              <a:t>http://ao.umn.edu/data/</a:t>
-            </a:r>
-            <a:r>
-              <a:rPr lang="en-US" sz="2000" dirty="0"/>
-              <a:t> </a:t>
-            </a:r>
-          </a:p>
-          <a:p>
-            <a:pPr marL="0" indent="0">
-              <a:buNone/>
-            </a:pPr>
-            <a:r>
-              <a:rPr lang="en-US" sz="2000" dirty="0" err="1"/>
-              <a:t>WalkScore</a:t>
-            </a:r>
-            <a:r>
-              <a:rPr lang="en-US" sz="2000" dirty="0"/>
-              <a:t>: </a:t>
-            </a:r>
-            <a:r>
-              <a:rPr lang="en-US" sz="2000" dirty="0">
-                <a:hlinkClick r:id="rId8"/>
-              </a:rPr>
-              <a:t>https://www.walkscore.com/professional/walk-score-apis.php</a:t>
-            </a:r>
-            <a:endParaRPr lang="en-US" sz="2000" dirty="0"/>
-          </a:p>
-          <a:p>
-            <a:pPr marL="0" indent="0">
-              <a:buNone/>
-            </a:pPr>
-            <a:r>
-              <a:rPr lang="en-US" sz="2000" dirty="0"/>
-              <a:t>Uber Movement: </a:t>
-            </a:r>
-            <a:r>
-              <a:rPr lang="en-US" sz="2000" dirty="0">
-                <a:hlinkClick r:id="rId9"/>
-              </a:rPr>
-              <a:t>https://movement.uber.com/cities</a:t>
-            </a:r>
-            <a:r>
-              <a:rPr lang="en-US" sz="2000" dirty="0"/>
-              <a:t> </a:t>
-            </a:r>
-          </a:p>
-          <a:p>
-            <a:pPr marL="0" indent="0">
-              <a:buNone/>
-            </a:pPr>
-            <a:r>
-              <a:rPr lang="en-US" sz="2000" dirty="0" err="1"/>
-              <a:t>OneBusAway</a:t>
-            </a:r>
-            <a:r>
-              <a:rPr lang="en-US" sz="2000" dirty="0"/>
-              <a:t>: </a:t>
-            </a:r>
-            <a:r>
-              <a:rPr lang="en-US" sz="2000" dirty="0">
-                <a:hlinkClick r:id="rId10"/>
-              </a:rPr>
-              <a:t>http://onebusaway.org/</a:t>
-            </a:r>
-            <a:r>
-              <a:rPr lang="en-US" sz="2000" dirty="0"/>
-              <a:t> </a:t>
-            </a:r>
-          </a:p>
-          <a:p>
-            <a:pPr marL="0" indent="0">
-              <a:buNone/>
-            </a:pPr>
-            <a:r>
-              <a:rPr lang="en-US" sz="2000" dirty="0"/>
-              <a:t>GTFS: </a:t>
-            </a:r>
-            <a:r>
-              <a:rPr lang="en-US" sz="2000" dirty="0">
-                <a:hlinkClick r:id="rId11"/>
-              </a:rPr>
-              <a:t>https://developers.google.com/transit/gtfs/</a:t>
-            </a:r>
-            <a:r>
-              <a:rPr lang="en-US" sz="2000" dirty="0"/>
-              <a:t> </a:t>
-            </a:r>
-          </a:p>
-          <a:p>
-            <a:pPr marL="0" indent="0">
-              <a:buNone/>
-            </a:pPr>
-            <a:r>
-              <a:rPr lang="en-US" sz="2000" dirty="0">
-                <a:hlinkClick r:id="rId12"/>
-              </a:rPr>
-              <a:t>http://www.gtfs-data-exchange.com/</a:t>
-            </a:r>
-            <a:r>
-              <a:rPr lang="en-US" sz="2000" dirty="0"/>
-              <a:t> </a:t>
-            </a:r>
-          </a:p>
-        </p:txBody>
-      </p:sp>
-      <p:sp>
-        <p:nvSpPr>
-          <p:cNvPr id="4" name="Slide Number Placeholder 3"/>
-          <p:cNvSpPr>
-            <a:spLocks noGrp="1"/>
-          </p:cNvSpPr>
-          <p:nvPr>
-            <p:ph type="sldNum" sz="quarter" idx="10"/>
-          </p:nvPr>
-        </p:nvSpPr>
-        <p:spPr/>
-        <p:txBody>
-          <a:bodyPr/>
-          <a:lstStyle/>
-          <a:p>
-            <a:pPr algn="ctr"/>
-            <a:fld id="{DB5A3A47-29A7-45E5-923E-10FF85749154}" type="slidenum">
-              <a:rPr lang="en-GB" smtClean="0"/>
-              <a:pPr algn="ctr"/>
-              <a:t>7</a:t>
-            </a:fld>
-            <a:endParaRPr lang="en-GB" dirty="0"/>
-          </a:p>
-        </p:txBody>
-      </p:sp>
-    </p:spTree>
-    <p:extLst>
-      <p:ext uri="{BB962C8B-B14F-4D97-AF65-F5344CB8AC3E}">
-        <p14:creationId xmlns:p14="http://schemas.microsoft.com/office/powerpoint/2010/main" val="3406012432"/>
-      </p:ext>
-    </p:extLst>
-  </p:cSld>
-  <p:clrMapOvr>
-    <a:masterClrMapping/>
-  </p:clrMapOvr>
-</p:sld>
-</file>
-
-<file path=ppt/slides/slide8.xml><?xml version="1.0" encoding="utf-8"?>
-<p:sld xmlns:a="http://schemas.openxmlformats.org/drawingml/2006/main" xmlns:r="http://schemas.openxmlformats.org/officeDocument/2006/relationships" xmlns:p="http://schemas.openxmlformats.org/presentationml/2006/main">
-  <p:cSld>
-    <p:spTree>
-      <p:nvGrpSpPr>
-        <p:cNvPr id="1" name=""/>
-        <p:cNvGrpSpPr/>
-        <p:nvPr/>
-      </p:nvGrpSpPr>
-      <p:grpSpPr>
-        <a:xfrm>
-          <a:off x="0" y="0"/>
-          <a:ext cx="0" cy="0"/>
-          <a:chOff x="0" y="0"/>
-          <a:chExt cx="0" cy="0"/>
-        </a:xfrm>
-      </p:grpSpPr>
-      <p:sp>
-        <p:nvSpPr>
-          <p:cNvPr id="2" name="Title 1"/>
-          <p:cNvSpPr>
-            <a:spLocks noGrp="1"/>
-          </p:cNvSpPr>
-          <p:nvPr>
-            <p:ph type="title"/>
-          </p:nvPr>
-        </p:nvSpPr>
-        <p:spPr/>
-        <p:txBody>
-          <a:bodyPr/>
-          <a:lstStyle/>
-          <a:p>
-            <a:r>
-              <a:rPr lang="en-US" dirty="0"/>
-              <a:t>Some Transportation Sources</a:t>
-            </a:r>
-          </a:p>
-        </p:txBody>
-      </p:sp>
-      <p:sp>
-        <p:nvSpPr>
-          <p:cNvPr id="3" name="Content Placeholder 2"/>
-          <p:cNvSpPr>
-            <a:spLocks noGrp="1"/>
-          </p:cNvSpPr>
-          <p:nvPr>
-            <p:ph idx="1"/>
-          </p:nvPr>
-        </p:nvSpPr>
-        <p:spPr/>
-        <p:txBody>
-          <a:bodyPr/>
-          <a:lstStyle/>
-          <a:p>
-            <a:pPr marL="0" indent="0">
-              <a:buNone/>
-            </a:pPr>
-            <a:r>
-              <a:rPr lang="en-US" sz="2000" dirty="0"/>
-              <a:t>Waze: </a:t>
-            </a:r>
-            <a:r>
-              <a:rPr lang="en-US" sz="2000" dirty="0">
-                <a:hlinkClick r:id="rId2"/>
-              </a:rPr>
-              <a:t>https://www.</a:t>
-            </a:r>
-            <a:r>
-              <a:rPr lang="en-US" sz="2000" b="1" dirty="0">
-                <a:hlinkClick r:id="rId2"/>
-              </a:rPr>
-              <a:t>waze</a:t>
-            </a:r>
-            <a:r>
-              <a:rPr lang="en-US" sz="2000" dirty="0">
-                <a:hlinkClick r:id="rId2"/>
-              </a:rPr>
-              <a:t>.com/about/dev</a:t>
-            </a:r>
-            <a:r>
-              <a:rPr lang="en-US" sz="2000" dirty="0"/>
-              <a:t> </a:t>
-            </a:r>
-          </a:p>
-          <a:p>
-            <a:pPr marL="0" indent="0">
-              <a:buNone/>
-            </a:pPr>
-            <a:r>
-              <a:rPr lang="en-US" sz="2000" dirty="0"/>
-              <a:t>Google Maps Distance Matrix API: </a:t>
-            </a:r>
-          </a:p>
-          <a:p>
-            <a:pPr marL="0" indent="0">
-              <a:buNone/>
-            </a:pPr>
-            <a:r>
-              <a:rPr lang="en-US" sz="2000" dirty="0">
-                <a:hlinkClick r:id="rId3"/>
-              </a:rPr>
-              <a:t>https://developers.google.com/maps/web-services/</a:t>
-            </a:r>
-            <a:r>
-              <a:rPr lang="en-US" sz="2000" dirty="0"/>
-              <a:t> </a:t>
-            </a:r>
-          </a:p>
-          <a:p>
-            <a:pPr marL="0" indent="0">
-              <a:buNone/>
-            </a:pPr>
-            <a:r>
-              <a:rPr lang="en-US" sz="2000" dirty="0"/>
-              <a:t>Here: </a:t>
-            </a:r>
-            <a:r>
-              <a:rPr lang="en-US" sz="2000" dirty="0">
-                <a:hlinkClick r:id="rId4"/>
-              </a:rPr>
-              <a:t>https://developer.here.com/</a:t>
-            </a:r>
-            <a:r>
-              <a:rPr lang="en-US" sz="2000" dirty="0"/>
-              <a:t> </a:t>
-            </a:r>
-          </a:p>
-          <a:p>
-            <a:pPr marL="0" indent="0">
-              <a:buNone/>
-            </a:pPr>
-            <a:r>
-              <a:rPr lang="en-US" sz="2000" dirty="0"/>
-              <a:t>INRIX: </a:t>
-            </a:r>
-            <a:r>
-              <a:rPr lang="en-US" sz="2000" dirty="0">
-                <a:hlinkClick r:id="rId5"/>
-              </a:rPr>
-              <a:t>http://inrix.com/</a:t>
-            </a:r>
-            <a:endParaRPr lang="en-US" sz="2000" dirty="0"/>
-          </a:p>
-          <a:p>
-            <a:pPr marL="0" indent="0">
-              <a:buNone/>
-            </a:pPr>
-            <a:r>
-              <a:rPr lang="en-US" sz="2000" dirty="0" err="1"/>
-              <a:t>AirSage</a:t>
-            </a:r>
-            <a:r>
-              <a:rPr lang="en-US" sz="2000" dirty="0"/>
-              <a:t>: </a:t>
-            </a:r>
-            <a:r>
-              <a:rPr lang="en-US" sz="2000" dirty="0">
-                <a:hlinkClick r:id="rId6"/>
-              </a:rPr>
-              <a:t>http://www.airsage.com/</a:t>
-            </a:r>
-            <a:r>
-              <a:rPr lang="en-US" sz="2000" dirty="0"/>
-              <a:t> </a:t>
-            </a:r>
-          </a:p>
-          <a:p>
-            <a:pPr marL="0" indent="0">
-              <a:buNone/>
-            </a:pPr>
-            <a:endParaRPr lang="en-US" sz="2000" dirty="0"/>
-          </a:p>
-          <a:p>
-            <a:pPr marL="0" indent="0">
-              <a:buNone/>
-            </a:pPr>
-            <a:r>
-              <a:rPr lang="en-US" sz="2000" dirty="0"/>
-              <a:t>As noted previously: </a:t>
-            </a:r>
-          </a:p>
-          <a:p>
-            <a:pPr marL="0" indent="0">
-              <a:buNone/>
-            </a:pPr>
-            <a:r>
-              <a:rPr lang="en-US" sz="2000" dirty="0"/>
-              <a:t>Public Transit: </a:t>
-            </a:r>
-            <a:r>
-              <a:rPr lang="en-US" sz="2000" dirty="0">
-                <a:hlinkClick r:id="rId7"/>
-              </a:rPr>
-              <a:t>https://www.programmableweb.com/news/how-smart-cities-are-using-apis-public-transport-apis/2014/05/22</a:t>
-            </a:r>
-            <a:endParaRPr lang="en-US" sz="2000" dirty="0"/>
-          </a:p>
-          <a:p>
-            <a:pPr marL="0" indent="0">
-              <a:buNone/>
-            </a:pPr>
-            <a:r>
-              <a:rPr lang="en-US" sz="2000" dirty="0"/>
-              <a:t>Long-Distance Travel: </a:t>
-            </a:r>
-            <a:r>
-              <a:rPr lang="en-US" sz="2000" dirty="0">
-                <a:hlinkClick r:id="rId8"/>
-              </a:rPr>
-              <a:t>http://www.olery.com/blog/the-best-travel-apis-discover-contribute/</a:t>
-            </a:r>
-            <a:r>
-              <a:rPr lang="en-US" sz="2000" dirty="0"/>
-              <a:t> </a:t>
-            </a:r>
-          </a:p>
-          <a:p>
-            <a:pPr marL="0" indent="0">
-              <a:buNone/>
-            </a:pPr>
-            <a:r>
-              <a:rPr lang="en-US" sz="2000" dirty="0"/>
-              <a:t>Transportation: </a:t>
-            </a:r>
-            <a:r>
-              <a:rPr lang="en-US" sz="2000" dirty="0">
-                <a:hlinkClick r:id="rId9"/>
-              </a:rPr>
-              <a:t>https://www.programmableweb.com/category/transportation/api</a:t>
-            </a:r>
-            <a:endParaRPr lang="en-US" sz="2000" dirty="0"/>
-          </a:p>
-          <a:p>
-            <a:pPr marL="0" indent="0">
-              <a:buNone/>
-            </a:pPr>
-            <a:endParaRPr lang="en-US" sz="2000" dirty="0"/>
-          </a:p>
-          <a:p>
-            <a:pPr marL="0" indent="0">
-              <a:buNone/>
-            </a:pPr>
-            <a:endParaRPr lang="en-US" sz="2000" dirty="0"/>
-          </a:p>
-        </p:txBody>
-      </p:sp>
-      <p:sp>
-        <p:nvSpPr>
-          <p:cNvPr id="4" name="Slide Number Placeholder 3"/>
-          <p:cNvSpPr>
-            <a:spLocks noGrp="1"/>
-          </p:cNvSpPr>
-          <p:nvPr>
-            <p:ph type="sldNum" sz="quarter" idx="10"/>
-          </p:nvPr>
-        </p:nvSpPr>
-        <p:spPr/>
-        <p:txBody>
-          <a:bodyPr/>
-          <a:lstStyle/>
-          <a:p>
-            <a:pPr algn="ctr"/>
-            <a:fld id="{DB5A3A47-29A7-45E5-923E-10FF85749154}" type="slidenum">
-              <a:rPr lang="en-GB" smtClean="0"/>
-              <a:pPr algn="ctr"/>
-              <a:t>8</a:t>
-            </a:fld>
-            <a:endParaRPr lang="en-GB" dirty="0"/>
-          </a:p>
-        </p:txBody>
-      </p:sp>
-    </p:spTree>
-    <p:extLst>
-      <p:ext uri="{BB962C8B-B14F-4D97-AF65-F5344CB8AC3E}">
-        <p14:creationId xmlns:p14="http://schemas.microsoft.com/office/powerpoint/2010/main" val="4118341564"/>
-      </p:ext>
-    </p:extLst>
-  </p:cSld>
-  <p:clrMapOvr>
-    <a:masterClrMapping/>
-  </p:clrMapOvr>
-</p:sld>
-</file>
-
 <file path=ppt/slides/slide9.xml><?xml version="1.0" encoding="utf-8"?>
 <p:sld xmlns:a="http://schemas.openxmlformats.org/drawingml/2006/main" xmlns:r="http://schemas.openxmlformats.org/officeDocument/2006/relationships" xmlns:p="http://schemas.openxmlformats.org/presentationml/2006/main">
   <p:cSld>
@@ -10017,7 +10969,7 @@
           <a:p>
             <a:r>
               <a:rPr lang="en-US" dirty="0"/>
-              <a:t>General Open Data Resources</a:t>
+              <a:t>Who publishes data and why? </a:t>
             </a:r>
           </a:p>
         </p:txBody>
@@ -10041,222 +10993,61 @@
               <a:buNone/>
             </a:pPr>
             <a:r>
-              <a:rPr lang="en-GB" sz="2000" dirty="0"/>
-              <a:t>US Census: </a:t>
-            </a:r>
-            <a:r>
-              <a:rPr lang="en-GB" sz="2000" dirty="0">
-                <a:hlinkClick r:id="rId2"/>
-              </a:rPr>
-              <a:t>http://www.census.gov/</a:t>
-            </a:r>
-            <a:endParaRPr lang="en-GB" sz="2000" dirty="0"/>
-          </a:p>
-          <a:p>
-            <a:pPr marL="0" indent="0">
-              <a:buNone/>
-            </a:pPr>
-            <a:r>
-              <a:rPr lang="en-GB" sz="2000" dirty="0"/>
-              <a:t>Federal Open Data: </a:t>
-            </a:r>
-            <a:r>
-              <a:rPr lang="en-GB" sz="2000" dirty="0">
-                <a:hlinkClick r:id="rId3"/>
-              </a:rPr>
-              <a:t>https://www.data.gov/</a:t>
-            </a:r>
-            <a:r>
-              <a:rPr lang="en-GB" sz="2000" dirty="0"/>
-              <a:t> </a:t>
-            </a:r>
-          </a:p>
-          <a:p>
-            <a:pPr marL="0" indent="0">
-              <a:buNone/>
-            </a:pPr>
-            <a:r>
-              <a:rPr lang="en-GB" sz="2000" dirty="0"/>
-              <a:t>Open Data Network: </a:t>
-            </a:r>
-            <a:r>
-              <a:rPr lang="en-GB" sz="2000" dirty="0">
-                <a:hlinkClick r:id="rId4"/>
-              </a:rPr>
-              <a:t>https://www.opendatanetwork.com</a:t>
-            </a:r>
-            <a:r>
-              <a:rPr lang="en-GB" sz="2000" dirty="0"/>
-              <a:t> </a:t>
-            </a:r>
-          </a:p>
-          <a:p>
-            <a:pPr marL="0" indent="0">
-              <a:buNone/>
-            </a:pPr>
-            <a:r>
-              <a:rPr lang="en-GB" sz="2000" dirty="0"/>
-              <a:t>Open Data Institute: </a:t>
-            </a:r>
-            <a:r>
-              <a:rPr lang="en-GB" sz="2000" dirty="0">
-                <a:hlinkClick r:id="rId5"/>
-              </a:rPr>
-              <a:t>http://theodi.org/</a:t>
-            </a:r>
-            <a:r>
-              <a:rPr lang="en-GB" sz="2000" dirty="0"/>
-              <a:t> </a:t>
-            </a:r>
-          </a:p>
-          <a:p>
-            <a:pPr marL="0" indent="0">
-              <a:buNone/>
-            </a:pPr>
-            <a:r>
-              <a:rPr lang="en-GB" sz="2000" dirty="0"/>
-              <a:t>Civic Data: </a:t>
-            </a:r>
-            <a:r>
-              <a:rPr lang="en-GB" sz="2000" dirty="0">
-                <a:hlinkClick r:id="rId6"/>
-              </a:rPr>
-              <a:t>http://www.civicdata.io/</a:t>
-            </a:r>
-            <a:r>
-              <a:rPr lang="en-GB" sz="2000" dirty="0"/>
-              <a:t> </a:t>
-            </a:r>
-          </a:p>
-          <a:p>
-            <a:pPr marL="0" indent="0">
-              <a:buNone/>
-            </a:pPr>
-            <a:r>
-              <a:rPr lang="en-GB" sz="2000" dirty="0"/>
-              <a:t>Lexington: </a:t>
-            </a:r>
-            <a:r>
-              <a:rPr lang="en-GB" sz="2000" dirty="0">
-                <a:hlinkClick r:id="rId7"/>
-              </a:rPr>
-              <a:t>http://data.lexingtonky.gov/</a:t>
-            </a:r>
-            <a:r>
-              <a:rPr lang="en-GB" sz="2000" dirty="0"/>
-              <a:t> </a:t>
-            </a:r>
-          </a:p>
-          <a:p>
-            <a:pPr marL="0" indent="0">
-              <a:buNone/>
-            </a:pPr>
-            <a:r>
-              <a:rPr lang="en-GB" sz="2000" dirty="0" err="1"/>
-              <a:t>KyTC</a:t>
-            </a:r>
-            <a:r>
-              <a:rPr lang="en-GB" sz="2000" dirty="0"/>
-              <a:t>: </a:t>
-            </a:r>
-            <a:r>
-              <a:rPr lang="en-GB" sz="2000" dirty="0">
-                <a:hlinkClick r:id="rId8"/>
-              </a:rPr>
-              <a:t>http://datamart.business.transportation.ky.gov/</a:t>
-            </a:r>
-            <a:r>
-              <a:rPr lang="en-GB" sz="2000" dirty="0"/>
-              <a:t> </a:t>
-            </a:r>
-          </a:p>
-          <a:p>
-            <a:pPr marL="0" indent="0">
-              <a:buNone/>
-            </a:pPr>
-            <a:r>
-              <a:rPr lang="en-GB" sz="2000" dirty="0"/>
-              <a:t>San Francisco: </a:t>
-            </a:r>
-            <a:r>
-              <a:rPr lang="en-GB" sz="2000" dirty="0">
-                <a:hlinkClick r:id="rId9"/>
-              </a:rPr>
-              <a:t>https://data.sfgov.org/</a:t>
-            </a:r>
-            <a:r>
-              <a:rPr lang="en-GB" sz="2000" dirty="0"/>
-              <a:t> </a:t>
-            </a:r>
-          </a:p>
-          <a:p>
-            <a:pPr marL="0" indent="0">
-              <a:buNone/>
-            </a:pPr>
-            <a:r>
-              <a:rPr lang="en-GB" sz="2000" dirty="0"/>
-              <a:t>MTC (Bay Area transport): </a:t>
-            </a:r>
-            <a:r>
-              <a:rPr lang="en-GB" sz="2000" dirty="0">
-                <a:hlinkClick r:id="rId10"/>
-              </a:rPr>
-              <a:t>https://511.org/developers/list/apis/</a:t>
-            </a:r>
-            <a:endParaRPr lang="en-GB" sz="2000" dirty="0"/>
-          </a:p>
-          <a:p>
-            <a:pPr marL="0" indent="0">
-              <a:buNone/>
-            </a:pPr>
-            <a:endParaRPr lang="en-GB" sz="2000" dirty="0"/>
-          </a:p>
-          <a:p>
-            <a:pPr marL="0" indent="0">
-              <a:buNone/>
-            </a:pPr>
-            <a:r>
-              <a:rPr lang="en-GB" sz="2000" dirty="0"/>
-              <a:t>Third-Party Lists</a:t>
-            </a:r>
-          </a:p>
-          <a:p>
-            <a:pPr marL="0" indent="0">
-              <a:buNone/>
-            </a:pPr>
-            <a:r>
-              <a:rPr lang="en-US" sz="2000" dirty="0">
-                <a:hlinkClick r:id="rId11"/>
-              </a:rPr>
-              <a:t>http://www.forbes.com/sites/bernardmarr/2016/02/12/big-data-35-brilliant-and-free-data-sources-for-2016/#7b8a78bb6796</a:t>
-            </a:r>
-            <a:r>
-              <a:rPr lang="en-US" sz="2000" dirty="0"/>
-              <a:t> </a:t>
-            </a:r>
-            <a:endParaRPr lang="en-GB" sz="2000" dirty="0"/>
-          </a:p>
-          <a:p>
-            <a:pPr marL="0" indent="0">
-              <a:buNone/>
-            </a:pPr>
-            <a:r>
-              <a:rPr lang="en-GB" sz="2000" dirty="0">
-                <a:hlinkClick r:id="rId12"/>
-              </a:rPr>
-              <a:t>http://www.scribblelive.com/blog/2012/03/30/data-sources/</a:t>
-            </a:r>
-            <a:endParaRPr lang="en-GB" sz="2000" dirty="0"/>
-          </a:p>
-          <a:p>
-            <a:pPr marL="0" indent="0">
-              <a:buNone/>
-            </a:pPr>
-            <a:r>
-              <a:rPr lang="en-GB" sz="2000" dirty="0"/>
-              <a:t> </a:t>
-            </a:r>
-            <a:endParaRPr lang="en-US" sz="2000" dirty="0"/>
+              <a:rPr lang="en-US" b="1" dirty="0"/>
+              <a:t>Open Data: </a:t>
+            </a:r>
+            <a:r>
+              <a:rPr lang="en-US" dirty="0"/>
+              <a:t>Usually from a government, university or non-profit.  </a:t>
+            </a:r>
+          </a:p>
+          <a:p>
+            <a:pPr marL="0" indent="0">
+              <a:buNone/>
+            </a:pPr>
+            <a:endParaRPr lang="en-US" dirty="0"/>
+          </a:p>
+          <a:p>
+            <a:pPr marL="0" indent="0">
+              <a:buNone/>
+            </a:pPr>
+            <a:r>
+              <a:rPr lang="en-US" b="1" dirty="0"/>
+              <a:t>Why?  </a:t>
+            </a:r>
+          </a:p>
+          <a:p>
+            <a:r>
+              <a:rPr lang="en-US" dirty="0"/>
+              <a:t>Transparency</a:t>
+            </a:r>
+          </a:p>
+          <a:p>
+            <a:r>
+              <a:rPr lang="en-US" dirty="0"/>
+              <a:t>Serve public good</a:t>
+            </a:r>
+          </a:p>
+          <a:p>
+            <a:r>
+              <a:rPr lang="en-US" dirty="0"/>
+              <a:t>Often subject to Freedom of Information Act (FOIA) anyway. </a:t>
+            </a:r>
+          </a:p>
+          <a:p>
+            <a:pPr marL="0" indent="0">
+              <a:buNone/>
+            </a:pPr>
+            <a:r>
+              <a:rPr lang="en-US" b="1" dirty="0"/>
+              <a:t>Notes</a:t>
+            </a:r>
+          </a:p>
+          <a:p>
+            <a:r>
+              <a:rPr lang="en-US" dirty="0"/>
+              <a:t>What is the transparency of the processing?</a:t>
+            </a:r>
           </a:p>
         </p:txBody>
       </p:sp>
@@ -10288,7 +11079,7 @@
     </p:spTree>
     <p:extLst>
       <p:ext uri="{BB962C8B-B14F-4D97-AF65-F5344CB8AC3E}">
-        <p14:creationId xmlns:p14="http://schemas.microsoft.com/office/powerpoint/2010/main" val="2366718541"/>
+        <p14:creationId xmlns:p14="http://schemas.microsoft.com/office/powerpoint/2010/main" val="2031825479"/>
       </p:ext>
     </p:extLst>
   </p:cSld>
